--- a/Mini Censo.pptx
+++ b/Mini Censo.pptx
@@ -14,8 +14,13 @@
     <p:sldId id="262" r:id="rId8"/>
     <p:sldId id="263" r:id="rId9"/>
     <p:sldId id="264" r:id="rId10"/>
-    <p:sldId id="265" r:id="rId11"/>
-    <p:sldId id="266" r:id="rId12"/>
+    <p:sldId id="267" r:id="rId11"/>
+    <p:sldId id="268" r:id="rId12"/>
+    <p:sldId id="269" r:id="rId13"/>
+    <p:sldId id="265" r:id="rId14"/>
+    <p:sldId id="266" r:id="rId15"/>
+    <p:sldId id="270" r:id="rId16"/>
+    <p:sldId id="271" r:id="rId17"/>
   </p:sldIdLst>
   <p:sldSz cx="12192000" cy="6858000"/>
   <p:notesSz cx="6858000" cy="9144000"/>
@@ -458,6 +463,550 @@
                 <c:ptCount val="1"/>
                 <c:pt idx="0">
                   <c:v>0.54166666666666663</c:v>
+                </c:pt>
+              </c:numCache>
+            </c:numRef>
+          </c:val>
+          <c:extLst>
+            <c:ext xmlns:c16="http://schemas.microsoft.com/office/drawing/2014/chart" uri="{C3380CC4-5D6E-409C-BE32-E72D297353CC}">
+              <c16:uniqueId val="{00000003-9AED-4E78-9D96-77F6D4E3D252}"/>
+            </c:ext>
+          </c:extLst>
+        </c:ser>
+        <c:dLbls>
+          <c:showLegendKey val="0"/>
+          <c:showVal val="0"/>
+          <c:showCatName val="0"/>
+          <c:showSerName val="0"/>
+          <c:showPercent val="0"/>
+          <c:showBubbleSize val="0"/>
+        </c:dLbls>
+        <c:gapWidth val="219"/>
+        <c:overlap val="-27"/>
+        <c:axId val="410635400"/>
+        <c:axId val="410636712"/>
+      </c:barChart>
+      <c:catAx>
+        <c:axId val="410635400"/>
+        <c:scaling>
+          <c:orientation val="minMax"/>
+        </c:scaling>
+        <c:delete val="0"/>
+        <c:axPos val="b"/>
+        <c:numFmt formatCode="General" sourceLinked="1"/>
+        <c:majorTickMark val="none"/>
+        <c:minorTickMark val="none"/>
+        <c:tickLblPos val="nextTo"/>
+        <c:spPr>
+          <a:noFill/>
+          <a:ln w="9525" cap="flat" cmpd="sng" algn="ctr">
+            <a:solidFill>
+              <a:schemeClr val="tx1">
+                <a:lumMod val="15000"/>
+                <a:lumOff val="85000"/>
+              </a:schemeClr>
+            </a:solidFill>
+            <a:round/>
+          </a:ln>
+          <a:effectLst/>
+        </c:spPr>
+        <c:txPr>
+          <a:bodyPr rot="-60000000" spcFirstLastPara="1" vertOverflow="ellipsis" vert="horz" wrap="square" anchor="ctr" anchorCtr="1"/>
+          <a:lstStyle/>
+          <a:p>
+            <a:pPr>
+              <a:defRPr sz="1197" b="0" i="0" u="none" strike="noStrike" kern="1200" baseline="0">
+                <a:solidFill>
+                  <a:schemeClr val="tx1">
+                    <a:lumMod val="65000"/>
+                    <a:lumOff val="35000"/>
+                  </a:schemeClr>
+                </a:solidFill>
+                <a:latin typeface="+mn-lt"/>
+                <a:ea typeface="+mn-ea"/>
+                <a:cs typeface="+mn-cs"/>
+              </a:defRPr>
+            </a:pPr>
+            <a:endParaRPr lang="pt-BR"/>
+          </a:p>
+        </c:txPr>
+        <c:crossAx val="410636712"/>
+        <c:crosses val="autoZero"/>
+        <c:auto val="1"/>
+        <c:lblAlgn val="ctr"/>
+        <c:lblOffset val="100"/>
+        <c:noMultiLvlLbl val="0"/>
+      </c:catAx>
+      <c:valAx>
+        <c:axId val="410636712"/>
+        <c:scaling>
+          <c:orientation val="minMax"/>
+        </c:scaling>
+        <c:delete val="0"/>
+        <c:axPos val="l"/>
+        <c:majorGridlines>
+          <c:spPr>
+            <a:ln w="9525" cap="flat" cmpd="sng" algn="ctr">
+              <a:solidFill>
+                <a:schemeClr val="tx1">
+                  <a:lumMod val="15000"/>
+                  <a:lumOff val="85000"/>
+                </a:schemeClr>
+              </a:solidFill>
+              <a:round/>
+            </a:ln>
+            <a:effectLst/>
+          </c:spPr>
+        </c:majorGridlines>
+        <c:numFmt formatCode="General" sourceLinked="1"/>
+        <c:majorTickMark val="none"/>
+        <c:minorTickMark val="none"/>
+        <c:tickLblPos val="nextTo"/>
+        <c:spPr>
+          <a:noFill/>
+          <a:ln>
+            <a:noFill/>
+          </a:ln>
+          <a:effectLst/>
+        </c:spPr>
+        <c:txPr>
+          <a:bodyPr rot="-60000000" spcFirstLastPara="1" vertOverflow="ellipsis" vert="horz" wrap="square" anchor="ctr" anchorCtr="1"/>
+          <a:lstStyle/>
+          <a:p>
+            <a:pPr>
+              <a:defRPr sz="1197" b="0" i="0" u="none" strike="noStrike" kern="1200" baseline="0">
+                <a:solidFill>
+                  <a:schemeClr val="tx1">
+                    <a:lumMod val="65000"/>
+                    <a:lumOff val="35000"/>
+                  </a:schemeClr>
+                </a:solidFill>
+                <a:latin typeface="+mn-lt"/>
+                <a:ea typeface="+mn-ea"/>
+                <a:cs typeface="+mn-cs"/>
+              </a:defRPr>
+            </a:pPr>
+            <a:endParaRPr lang="pt-BR"/>
+          </a:p>
+        </c:txPr>
+        <c:crossAx val="410635400"/>
+        <c:crosses val="autoZero"/>
+        <c:crossBetween val="between"/>
+      </c:valAx>
+      <c:spPr>
+        <a:noFill/>
+        <a:ln>
+          <a:noFill/>
+        </a:ln>
+        <a:effectLst/>
+      </c:spPr>
+    </c:plotArea>
+    <c:legend>
+      <c:legendPos val="b"/>
+      <c:overlay val="0"/>
+      <c:spPr>
+        <a:noFill/>
+        <a:ln>
+          <a:noFill/>
+        </a:ln>
+        <a:effectLst/>
+      </c:spPr>
+      <c:txPr>
+        <a:bodyPr rot="0" spcFirstLastPara="1" vertOverflow="ellipsis" vert="horz" wrap="square" anchor="ctr" anchorCtr="1"/>
+        <a:lstStyle/>
+        <a:p>
+          <a:pPr>
+            <a:defRPr sz="1197" b="0" i="0" u="none" strike="noStrike" kern="1200" baseline="0">
+              <a:solidFill>
+                <a:schemeClr val="tx1">
+                  <a:lumMod val="65000"/>
+                  <a:lumOff val="35000"/>
+                </a:schemeClr>
+              </a:solidFill>
+              <a:latin typeface="+mn-lt"/>
+              <a:ea typeface="+mn-ea"/>
+              <a:cs typeface="+mn-cs"/>
+            </a:defRPr>
+          </a:pPr>
+          <a:endParaRPr lang="pt-BR"/>
+        </a:p>
+      </c:txPr>
+    </c:legend>
+    <c:plotVisOnly val="1"/>
+    <c:dispBlanksAs val="gap"/>
+    <c:extLst>
+      <c:ext xmlns:c16r3="http://schemas.microsoft.com/office/drawing/2017/03/chart" uri="{56B9EC1D-385E-4148-901F-78D8002777C0}">
+        <c16r3:dataDisplayOptions16>
+          <c16r3:dispNaAsBlank val="1"/>
+        </c16r3:dataDisplayOptions16>
+      </c:ext>
+    </c:extLst>
+    <c:showDLblsOverMax val="0"/>
+  </c:chart>
+  <c:spPr>
+    <a:noFill/>
+    <a:ln>
+      <a:noFill/>
+    </a:ln>
+    <a:effectLst/>
+  </c:spPr>
+  <c:txPr>
+    <a:bodyPr/>
+    <a:lstStyle/>
+    <a:p>
+      <a:pPr>
+        <a:defRPr/>
+      </a:pPr>
+      <a:endParaRPr lang="pt-BR"/>
+    </a:p>
+  </c:txPr>
+  <c:externalData r:id="rId3">
+    <c:autoUpdate val="0"/>
+  </c:externalData>
+</c:chartSpace>
+</file>
+
+<file path=ppt/charts/chart10.xml><?xml version="1.0" encoding="utf-8"?>
+<c:chartSpace xmlns:c="http://schemas.openxmlformats.org/drawingml/2006/chart" xmlns:a="http://schemas.openxmlformats.org/drawingml/2006/main" xmlns:r="http://schemas.openxmlformats.org/officeDocument/2006/relationships" xmlns:c16r2="http://schemas.microsoft.com/office/drawing/2015/06/chart">
+  <c:date1904 val="0"/>
+  <c:lang val="pt-BR"/>
+  <c:roundedCorners val="0"/>
+  <mc:AlternateContent xmlns:mc="http://schemas.openxmlformats.org/markup-compatibility/2006">
+    <mc:Choice xmlns:c14="http://schemas.microsoft.com/office/drawing/2007/8/2/chart" Requires="c14">
+      <c14:style val="102"/>
+    </mc:Choice>
+    <mc:Fallback>
+      <c:style val="2"/>
+    </mc:Fallback>
+  </mc:AlternateContent>
+  <c:chart>
+    <c:title>
+      <c:tx>
+        <c:rich>
+          <a:bodyPr rot="0" spcFirstLastPara="1" vertOverflow="ellipsis" vert="horz" wrap="square" anchor="ctr" anchorCtr="1"/>
+          <a:lstStyle/>
+          <a:p>
+            <a:pPr>
+              <a:defRPr sz="1862" b="0" i="0" u="none" strike="noStrike" kern="1200" spc="0" baseline="0">
+                <a:solidFill>
+                  <a:schemeClr val="tx1">
+                    <a:lumMod val="65000"/>
+                    <a:lumOff val="35000"/>
+                  </a:schemeClr>
+                </a:solidFill>
+                <a:latin typeface="+mn-lt"/>
+                <a:ea typeface="+mn-ea"/>
+                <a:cs typeface="+mn-cs"/>
+              </a:defRPr>
+            </a:pPr>
+            <a:r>
+              <a:rPr lang="en-US" sz="1862" b="0" i="0" u="none" strike="noStrike" baseline="0" dirty="0">
+                <a:effectLst/>
+              </a:rPr>
+              <a:t>SELECT </a:t>
+            </a:r>
+            <a:r>
+              <a:rPr lang="en-US" sz="1862" b="0" i="0" u="none" strike="noStrike" baseline="0" dirty="0" err="1">
+                <a:effectLst/>
+              </a:rPr>
+              <a:t>renda</a:t>
+            </a:r>
+            <a:r>
+              <a:rPr lang="en-US" sz="1862" b="0" i="0" u="none" strike="noStrike" baseline="0" dirty="0">
+                <a:effectLst/>
+              </a:rPr>
+              <a:t>, </a:t>
+            </a:r>
+            <a:r>
+              <a:rPr lang="en-US" sz="1862" b="0" i="0" u="none" strike="noStrike" baseline="0" dirty="0" err="1">
+                <a:effectLst/>
+              </a:rPr>
+              <a:t>pais</a:t>
+            </a:r>
+            <a:r>
+              <a:rPr lang="en-US" sz="1862" b="0" i="0" u="none" strike="noStrike" baseline="0" dirty="0">
+                <a:effectLst/>
+              </a:rPr>
+              <a:t>, count(*) FROM </a:t>
+            </a:r>
+            <a:r>
+              <a:rPr lang="en-US" sz="1862" b="0" i="0" u="none" strike="noStrike" baseline="0" dirty="0" err="1">
+                <a:effectLst/>
+              </a:rPr>
+              <a:t>pessoas</a:t>
+            </a:r>
+            <a:r>
+              <a:rPr lang="en-US" sz="1862" b="0" i="0" u="none" strike="noStrike" baseline="0" dirty="0">
+                <a:effectLst/>
+              </a:rPr>
+              <a:t> GROUP BY </a:t>
+            </a:r>
+            <a:r>
+              <a:rPr lang="en-US" sz="1862" b="0" i="0" u="none" strike="noStrike" baseline="0" dirty="0" err="1">
+                <a:effectLst/>
+              </a:rPr>
+              <a:t>renda</a:t>
+            </a:r>
+            <a:r>
+              <a:rPr lang="en-US" sz="1862" b="0" i="0" u="none" strike="noStrike" baseline="0" dirty="0">
+                <a:effectLst/>
+              </a:rPr>
+              <a:t>, </a:t>
+            </a:r>
+            <a:r>
+              <a:rPr lang="en-US" sz="1862" b="0" i="0" u="none" strike="noStrike" baseline="0" dirty="0" err="1">
+                <a:effectLst/>
+              </a:rPr>
+              <a:t>pais</a:t>
+            </a:r>
+            <a:r>
+              <a:rPr lang="en-US" sz="1862" b="0" i="0" u="none" strike="noStrike" baseline="0" dirty="0">
+                <a:effectLst/>
+              </a:rPr>
+              <a:t>;</a:t>
+            </a:r>
+            <a:endParaRPr lang="pt-BR" dirty="0"/>
+          </a:p>
+        </c:rich>
+      </c:tx>
+      <c:overlay val="0"/>
+      <c:spPr>
+        <a:noFill/>
+        <a:ln>
+          <a:noFill/>
+        </a:ln>
+        <a:effectLst/>
+      </c:spPr>
+      <c:txPr>
+        <a:bodyPr rot="0" spcFirstLastPara="1" vertOverflow="ellipsis" vert="horz" wrap="square" anchor="ctr" anchorCtr="1"/>
+        <a:lstStyle/>
+        <a:p>
+          <a:pPr>
+            <a:defRPr sz="1862" b="0" i="0" u="none" strike="noStrike" kern="1200" spc="0" baseline="0">
+              <a:solidFill>
+                <a:schemeClr val="tx1">
+                  <a:lumMod val="65000"/>
+                  <a:lumOff val="35000"/>
+                </a:schemeClr>
+              </a:solidFill>
+              <a:latin typeface="+mn-lt"/>
+              <a:ea typeface="+mn-ea"/>
+              <a:cs typeface="+mn-cs"/>
+            </a:defRPr>
+          </a:pPr>
+          <a:endParaRPr lang="pt-BR"/>
+        </a:p>
+      </c:txPr>
+    </c:title>
+    <c:autoTitleDeleted val="0"/>
+    <c:plotArea>
+      <c:layout/>
+      <c:barChart>
+        <c:barDir val="col"/>
+        <c:grouping val="clustered"/>
+        <c:varyColors val="0"/>
+        <c:ser>
+          <c:idx val="0"/>
+          <c:order val="0"/>
+          <c:tx>
+            <c:strRef>
+              <c:f>Planilha1!$B$1</c:f>
+              <c:strCache>
+                <c:ptCount val="1"/>
+                <c:pt idx="0">
+                  <c:v>1</c:v>
+                </c:pt>
+              </c:strCache>
+            </c:strRef>
+          </c:tx>
+          <c:spPr>
+            <a:solidFill>
+              <a:schemeClr val="accent1"/>
+            </a:solidFill>
+            <a:ln>
+              <a:noFill/>
+            </a:ln>
+            <a:effectLst/>
+          </c:spPr>
+          <c:invertIfNegative val="0"/>
+          <c:cat>
+            <c:strRef>
+              <c:f>Planilha1!$A$2</c:f>
+              <c:strCache>
+                <c:ptCount val="1"/>
+                <c:pt idx="0">
+                  <c:v>Sétima Consulta</c:v>
+                </c:pt>
+              </c:strCache>
+            </c:strRef>
+          </c:cat>
+          <c:val>
+            <c:numRef>
+              <c:f>Planilha1!$B$2</c:f>
+              <c:numCache>
+                <c:formatCode>General</c:formatCode>
+                <c:ptCount val="1"/>
+                <c:pt idx="0">
+                  <c:v>0.40600000000000003</c:v>
+                </c:pt>
+              </c:numCache>
+            </c:numRef>
+          </c:val>
+          <c:extLst>
+            <c:ext xmlns:c16="http://schemas.microsoft.com/office/drawing/2014/chart" uri="{C3380CC4-5D6E-409C-BE32-E72D297353CC}">
+              <c16:uniqueId val="{00000000-9AED-4E78-9D96-77F6D4E3D252}"/>
+            </c:ext>
+          </c:extLst>
+        </c:ser>
+        <c:ser>
+          <c:idx val="1"/>
+          <c:order val="1"/>
+          <c:tx>
+            <c:strRef>
+              <c:f>Planilha1!$C$1</c:f>
+              <c:strCache>
+                <c:ptCount val="1"/>
+                <c:pt idx="0">
+                  <c:v>2</c:v>
+                </c:pt>
+              </c:strCache>
+            </c:strRef>
+          </c:tx>
+          <c:spPr>
+            <a:solidFill>
+              <a:schemeClr val="accent2"/>
+            </a:solidFill>
+            <a:ln>
+              <a:noFill/>
+            </a:ln>
+            <a:effectLst/>
+          </c:spPr>
+          <c:invertIfNegative val="0"/>
+          <c:cat>
+            <c:strRef>
+              <c:f>Planilha1!$A$2</c:f>
+              <c:strCache>
+                <c:ptCount val="1"/>
+                <c:pt idx="0">
+                  <c:v>Sétima Consulta</c:v>
+                </c:pt>
+              </c:strCache>
+            </c:strRef>
+          </c:cat>
+          <c:val>
+            <c:numRef>
+              <c:f>Planilha1!$C$2</c:f>
+              <c:numCache>
+                <c:formatCode>General</c:formatCode>
+                <c:ptCount val="1"/>
+                <c:pt idx="0">
+                  <c:v>0.42099999999999999</c:v>
+                </c:pt>
+              </c:numCache>
+            </c:numRef>
+          </c:val>
+          <c:extLst>
+            <c:ext xmlns:c16="http://schemas.microsoft.com/office/drawing/2014/chart" uri="{C3380CC4-5D6E-409C-BE32-E72D297353CC}">
+              <c16:uniqueId val="{00000001-9AED-4E78-9D96-77F6D4E3D252}"/>
+            </c:ext>
+          </c:extLst>
+        </c:ser>
+        <c:ser>
+          <c:idx val="2"/>
+          <c:order val="2"/>
+          <c:tx>
+            <c:strRef>
+              <c:f>Planilha1!$D$1</c:f>
+              <c:strCache>
+                <c:ptCount val="1"/>
+                <c:pt idx="0">
+                  <c:v>3</c:v>
+                </c:pt>
+              </c:strCache>
+            </c:strRef>
+          </c:tx>
+          <c:spPr>
+            <a:solidFill>
+              <a:schemeClr val="accent3"/>
+            </a:solidFill>
+            <a:ln>
+              <a:noFill/>
+            </a:ln>
+            <a:effectLst/>
+          </c:spPr>
+          <c:invertIfNegative val="0"/>
+          <c:cat>
+            <c:strRef>
+              <c:f>Planilha1!$A$2</c:f>
+              <c:strCache>
+                <c:ptCount val="1"/>
+                <c:pt idx="0">
+                  <c:v>Sétima Consulta</c:v>
+                </c:pt>
+              </c:strCache>
+            </c:strRef>
+          </c:cat>
+          <c:val>
+            <c:numRef>
+              <c:f>Planilha1!$D$2</c:f>
+              <c:numCache>
+                <c:formatCode>General</c:formatCode>
+                <c:ptCount val="1"/>
+                <c:pt idx="0">
+                  <c:v>0.45400000000000001</c:v>
+                </c:pt>
+              </c:numCache>
+            </c:numRef>
+          </c:val>
+          <c:extLst>
+            <c:ext xmlns:c16="http://schemas.microsoft.com/office/drawing/2014/chart" uri="{C3380CC4-5D6E-409C-BE32-E72D297353CC}">
+              <c16:uniqueId val="{00000002-9AED-4E78-9D96-77F6D4E3D252}"/>
+            </c:ext>
+          </c:extLst>
+        </c:ser>
+        <c:ser>
+          <c:idx val="3"/>
+          <c:order val="3"/>
+          <c:tx>
+            <c:strRef>
+              <c:f>Planilha1!$E$1</c:f>
+              <c:strCache>
+                <c:ptCount val="1"/>
+                <c:pt idx="0">
+                  <c:v>Média</c:v>
+                </c:pt>
+              </c:strCache>
+            </c:strRef>
+          </c:tx>
+          <c:spPr>
+            <a:solidFill>
+              <a:schemeClr val="accent4"/>
+            </a:solidFill>
+            <a:ln>
+              <a:noFill/>
+            </a:ln>
+            <a:effectLst/>
+          </c:spPr>
+          <c:invertIfNegative val="0"/>
+          <c:cat>
+            <c:strRef>
+              <c:f>Planilha1!$A$2</c:f>
+              <c:strCache>
+                <c:ptCount val="1"/>
+                <c:pt idx="0">
+                  <c:v>Sétima Consulta</c:v>
+                </c:pt>
+              </c:strCache>
+            </c:strRef>
+          </c:cat>
+          <c:val>
+            <c:numRef>
+              <c:f>Planilha1!$E$2</c:f>
+              <c:numCache>
+                <c:formatCode>General</c:formatCode>
+                <c:ptCount val="1"/>
+                <c:pt idx="0">
+                  <c:v>0.42699999999999999</c:v>
                 </c:pt>
               </c:numCache>
             </c:numRef>
@@ -3811,7 +4360,1137 @@
 </c:chartSpace>
 </file>
 
+<file path=ppt/charts/chart8.xml><?xml version="1.0" encoding="utf-8"?>
+<c:chartSpace xmlns:c="http://schemas.openxmlformats.org/drawingml/2006/chart" xmlns:a="http://schemas.openxmlformats.org/drawingml/2006/main" xmlns:r="http://schemas.openxmlformats.org/officeDocument/2006/relationships" xmlns:c16r2="http://schemas.microsoft.com/office/drawing/2015/06/chart">
+  <c:date1904 val="0"/>
+  <c:lang val="pt-BR"/>
+  <c:roundedCorners val="0"/>
+  <mc:AlternateContent xmlns:mc="http://schemas.openxmlformats.org/markup-compatibility/2006">
+    <mc:Choice xmlns:c14="http://schemas.microsoft.com/office/drawing/2007/8/2/chart" Requires="c14">
+      <c14:style val="102"/>
+    </mc:Choice>
+    <mc:Fallback>
+      <c:style val="2"/>
+    </mc:Fallback>
+  </mc:AlternateContent>
+  <c:chart>
+    <c:title>
+      <c:tx>
+        <c:rich>
+          <a:bodyPr rot="0" spcFirstLastPara="1" vertOverflow="ellipsis" vert="horz" wrap="square" anchor="ctr" anchorCtr="1"/>
+          <a:lstStyle/>
+          <a:p>
+            <a:pPr>
+              <a:defRPr sz="1862" b="0" i="0" u="none" strike="noStrike" kern="1200" spc="0" baseline="0">
+                <a:solidFill>
+                  <a:schemeClr val="tx1">
+                    <a:lumMod val="65000"/>
+                    <a:lumOff val="35000"/>
+                  </a:schemeClr>
+                </a:solidFill>
+                <a:latin typeface="+mn-lt"/>
+                <a:ea typeface="+mn-ea"/>
+                <a:cs typeface="+mn-cs"/>
+              </a:defRPr>
+            </a:pPr>
+            <a:r>
+              <a:rPr lang="en-US" sz="1800" b="0" i="0" baseline="0" dirty="0">
+                <a:effectLst/>
+              </a:rPr>
+              <a:t>SELECT </a:t>
+            </a:r>
+            <a:r>
+              <a:rPr lang="en-US" sz="1800" b="0" i="0" baseline="0" dirty="0" err="1">
+                <a:effectLst/>
+              </a:rPr>
+              <a:t>escolaridade</a:t>
+            </a:r>
+            <a:r>
+              <a:rPr lang="en-US" sz="1800" b="0" i="0" baseline="0" dirty="0">
+                <a:effectLst/>
+              </a:rPr>
+              <a:t>, </a:t>
+            </a:r>
+            <a:r>
+              <a:rPr lang="en-US" sz="1800" b="0" i="0" baseline="0" dirty="0" err="1">
+                <a:effectLst/>
+              </a:rPr>
+              <a:t>pais</a:t>
+            </a:r>
+            <a:r>
+              <a:rPr lang="en-US" sz="1800" b="0" i="0" baseline="0" dirty="0">
+                <a:effectLst/>
+              </a:rPr>
+              <a:t>, count(*) FROM </a:t>
+            </a:r>
+            <a:r>
+              <a:rPr lang="en-US" sz="1800" b="0" i="0" baseline="0" dirty="0" err="1">
+                <a:effectLst/>
+              </a:rPr>
+              <a:t>pessoas</a:t>
+            </a:r>
+            <a:r>
+              <a:rPr lang="en-US" sz="1800" b="0" i="0" baseline="0" dirty="0">
+                <a:effectLst/>
+              </a:rPr>
+              <a:t> GROUP BY </a:t>
+            </a:r>
+            <a:r>
+              <a:rPr lang="en-US" sz="1862" b="0" i="0" u="none" strike="noStrike" baseline="0" dirty="0" err="1">
+                <a:effectLst/>
+              </a:rPr>
+              <a:t>escolaridade</a:t>
+            </a:r>
+            <a:r>
+              <a:rPr lang="en-US" sz="1800" b="0" i="0" baseline="0" dirty="0">
+                <a:effectLst/>
+              </a:rPr>
+              <a:t>, </a:t>
+            </a:r>
+            <a:r>
+              <a:rPr lang="en-US" sz="1800" b="0" i="0" baseline="0" dirty="0" err="1">
+                <a:effectLst/>
+              </a:rPr>
+              <a:t>pais</a:t>
+            </a:r>
+            <a:r>
+              <a:rPr lang="en-US" sz="1800" b="0" i="0" baseline="0" dirty="0">
+                <a:effectLst/>
+              </a:rPr>
+              <a:t>;</a:t>
+            </a:r>
+            <a:endParaRPr lang="pt-BR" sz="2000" dirty="0">
+              <a:effectLst/>
+            </a:endParaRPr>
+          </a:p>
+        </c:rich>
+      </c:tx>
+      <c:overlay val="0"/>
+      <c:spPr>
+        <a:noFill/>
+        <a:ln>
+          <a:noFill/>
+        </a:ln>
+        <a:effectLst/>
+      </c:spPr>
+      <c:txPr>
+        <a:bodyPr rot="0" spcFirstLastPara="1" vertOverflow="ellipsis" vert="horz" wrap="square" anchor="ctr" anchorCtr="1"/>
+        <a:lstStyle/>
+        <a:p>
+          <a:pPr>
+            <a:defRPr sz="1862" b="0" i="0" u="none" strike="noStrike" kern="1200" spc="0" baseline="0">
+              <a:solidFill>
+                <a:schemeClr val="tx1">
+                  <a:lumMod val="65000"/>
+                  <a:lumOff val="35000"/>
+                </a:schemeClr>
+              </a:solidFill>
+              <a:latin typeface="+mn-lt"/>
+              <a:ea typeface="+mn-ea"/>
+              <a:cs typeface="+mn-cs"/>
+            </a:defRPr>
+          </a:pPr>
+          <a:endParaRPr lang="pt-BR"/>
+        </a:p>
+      </c:txPr>
+    </c:title>
+    <c:autoTitleDeleted val="0"/>
+    <c:plotArea>
+      <c:layout/>
+      <c:barChart>
+        <c:barDir val="col"/>
+        <c:grouping val="clustered"/>
+        <c:varyColors val="0"/>
+        <c:ser>
+          <c:idx val="0"/>
+          <c:order val="0"/>
+          <c:tx>
+            <c:strRef>
+              <c:f>Planilha1!$B$1</c:f>
+              <c:strCache>
+                <c:ptCount val="1"/>
+                <c:pt idx="0">
+                  <c:v>1</c:v>
+                </c:pt>
+              </c:strCache>
+            </c:strRef>
+          </c:tx>
+          <c:spPr>
+            <a:solidFill>
+              <a:schemeClr val="accent1"/>
+            </a:solidFill>
+            <a:ln>
+              <a:noFill/>
+            </a:ln>
+            <a:effectLst/>
+          </c:spPr>
+          <c:invertIfNegative val="0"/>
+          <c:cat>
+            <c:strRef>
+              <c:f>Planilha1!$A$2</c:f>
+              <c:strCache>
+                <c:ptCount val="1"/>
+                <c:pt idx="0">
+                  <c:v>Oitava Consulta</c:v>
+                </c:pt>
+              </c:strCache>
+            </c:strRef>
+          </c:cat>
+          <c:val>
+            <c:numRef>
+              <c:f>Planilha1!$B$2</c:f>
+              <c:numCache>
+                <c:formatCode>General</c:formatCode>
+                <c:ptCount val="1"/>
+                <c:pt idx="0">
+                  <c:v>0.39100000000000001</c:v>
+                </c:pt>
+              </c:numCache>
+            </c:numRef>
+          </c:val>
+          <c:extLst>
+            <c:ext xmlns:c16="http://schemas.microsoft.com/office/drawing/2014/chart" uri="{C3380CC4-5D6E-409C-BE32-E72D297353CC}">
+              <c16:uniqueId val="{00000000-9AED-4E78-9D96-77F6D4E3D252}"/>
+            </c:ext>
+          </c:extLst>
+        </c:ser>
+        <c:ser>
+          <c:idx val="1"/>
+          <c:order val="1"/>
+          <c:tx>
+            <c:strRef>
+              <c:f>Planilha1!$C$1</c:f>
+              <c:strCache>
+                <c:ptCount val="1"/>
+                <c:pt idx="0">
+                  <c:v>2</c:v>
+                </c:pt>
+              </c:strCache>
+            </c:strRef>
+          </c:tx>
+          <c:spPr>
+            <a:solidFill>
+              <a:schemeClr val="accent2"/>
+            </a:solidFill>
+            <a:ln>
+              <a:noFill/>
+            </a:ln>
+            <a:effectLst/>
+          </c:spPr>
+          <c:invertIfNegative val="0"/>
+          <c:cat>
+            <c:strRef>
+              <c:f>Planilha1!$A$2</c:f>
+              <c:strCache>
+                <c:ptCount val="1"/>
+                <c:pt idx="0">
+                  <c:v>Oitava Consulta</c:v>
+                </c:pt>
+              </c:strCache>
+            </c:strRef>
+          </c:cat>
+          <c:val>
+            <c:numRef>
+              <c:f>Planilha1!$C$2</c:f>
+              <c:numCache>
+                <c:formatCode>General</c:formatCode>
+                <c:ptCount val="1"/>
+                <c:pt idx="0">
+                  <c:v>0.42199999999999999</c:v>
+                </c:pt>
+              </c:numCache>
+            </c:numRef>
+          </c:val>
+          <c:extLst>
+            <c:ext xmlns:c16="http://schemas.microsoft.com/office/drawing/2014/chart" uri="{C3380CC4-5D6E-409C-BE32-E72D297353CC}">
+              <c16:uniqueId val="{00000001-9AED-4E78-9D96-77F6D4E3D252}"/>
+            </c:ext>
+          </c:extLst>
+        </c:ser>
+        <c:ser>
+          <c:idx val="2"/>
+          <c:order val="2"/>
+          <c:tx>
+            <c:strRef>
+              <c:f>Planilha1!$D$1</c:f>
+              <c:strCache>
+                <c:ptCount val="1"/>
+                <c:pt idx="0">
+                  <c:v>3</c:v>
+                </c:pt>
+              </c:strCache>
+            </c:strRef>
+          </c:tx>
+          <c:spPr>
+            <a:solidFill>
+              <a:schemeClr val="accent3"/>
+            </a:solidFill>
+            <a:ln>
+              <a:noFill/>
+            </a:ln>
+            <a:effectLst/>
+          </c:spPr>
+          <c:invertIfNegative val="0"/>
+          <c:cat>
+            <c:strRef>
+              <c:f>Planilha1!$A$2</c:f>
+              <c:strCache>
+                <c:ptCount val="1"/>
+                <c:pt idx="0">
+                  <c:v>Oitava Consulta</c:v>
+                </c:pt>
+              </c:strCache>
+            </c:strRef>
+          </c:cat>
+          <c:val>
+            <c:numRef>
+              <c:f>Planilha1!$D$2</c:f>
+              <c:numCache>
+                <c:formatCode>General</c:formatCode>
+                <c:ptCount val="1"/>
+                <c:pt idx="0">
+                  <c:v>0.40200000000000002</c:v>
+                </c:pt>
+              </c:numCache>
+            </c:numRef>
+          </c:val>
+          <c:extLst>
+            <c:ext xmlns:c16="http://schemas.microsoft.com/office/drawing/2014/chart" uri="{C3380CC4-5D6E-409C-BE32-E72D297353CC}">
+              <c16:uniqueId val="{00000002-9AED-4E78-9D96-77F6D4E3D252}"/>
+            </c:ext>
+          </c:extLst>
+        </c:ser>
+        <c:ser>
+          <c:idx val="3"/>
+          <c:order val="3"/>
+          <c:tx>
+            <c:strRef>
+              <c:f>Planilha1!$E$1</c:f>
+              <c:strCache>
+                <c:ptCount val="1"/>
+                <c:pt idx="0">
+                  <c:v>Média</c:v>
+                </c:pt>
+              </c:strCache>
+            </c:strRef>
+          </c:tx>
+          <c:spPr>
+            <a:solidFill>
+              <a:schemeClr val="accent4"/>
+            </a:solidFill>
+            <a:ln>
+              <a:noFill/>
+            </a:ln>
+            <a:effectLst/>
+          </c:spPr>
+          <c:invertIfNegative val="0"/>
+          <c:cat>
+            <c:strRef>
+              <c:f>Planilha1!$A$2</c:f>
+              <c:strCache>
+                <c:ptCount val="1"/>
+                <c:pt idx="0">
+                  <c:v>Oitava Consulta</c:v>
+                </c:pt>
+              </c:strCache>
+            </c:strRef>
+          </c:cat>
+          <c:val>
+            <c:numRef>
+              <c:f>Planilha1!$E$2</c:f>
+              <c:numCache>
+                <c:formatCode>General</c:formatCode>
+                <c:ptCount val="1"/>
+                <c:pt idx="0">
+                  <c:v>0.40499999999999997</c:v>
+                </c:pt>
+              </c:numCache>
+            </c:numRef>
+          </c:val>
+          <c:extLst>
+            <c:ext xmlns:c16="http://schemas.microsoft.com/office/drawing/2014/chart" uri="{C3380CC4-5D6E-409C-BE32-E72D297353CC}">
+              <c16:uniqueId val="{00000003-9AED-4E78-9D96-77F6D4E3D252}"/>
+            </c:ext>
+          </c:extLst>
+        </c:ser>
+        <c:dLbls>
+          <c:showLegendKey val="0"/>
+          <c:showVal val="0"/>
+          <c:showCatName val="0"/>
+          <c:showSerName val="0"/>
+          <c:showPercent val="0"/>
+          <c:showBubbleSize val="0"/>
+        </c:dLbls>
+        <c:gapWidth val="219"/>
+        <c:overlap val="-27"/>
+        <c:axId val="410635400"/>
+        <c:axId val="410636712"/>
+      </c:barChart>
+      <c:catAx>
+        <c:axId val="410635400"/>
+        <c:scaling>
+          <c:orientation val="minMax"/>
+        </c:scaling>
+        <c:delete val="0"/>
+        <c:axPos val="b"/>
+        <c:numFmt formatCode="General" sourceLinked="1"/>
+        <c:majorTickMark val="none"/>
+        <c:minorTickMark val="none"/>
+        <c:tickLblPos val="nextTo"/>
+        <c:spPr>
+          <a:noFill/>
+          <a:ln w="9525" cap="flat" cmpd="sng" algn="ctr">
+            <a:solidFill>
+              <a:schemeClr val="tx1">
+                <a:lumMod val="15000"/>
+                <a:lumOff val="85000"/>
+              </a:schemeClr>
+            </a:solidFill>
+            <a:round/>
+          </a:ln>
+          <a:effectLst/>
+        </c:spPr>
+        <c:txPr>
+          <a:bodyPr rot="-60000000" spcFirstLastPara="1" vertOverflow="ellipsis" vert="horz" wrap="square" anchor="ctr" anchorCtr="1"/>
+          <a:lstStyle/>
+          <a:p>
+            <a:pPr>
+              <a:defRPr sz="1197" b="0" i="0" u="none" strike="noStrike" kern="1200" baseline="0">
+                <a:solidFill>
+                  <a:schemeClr val="tx1">
+                    <a:lumMod val="65000"/>
+                    <a:lumOff val="35000"/>
+                  </a:schemeClr>
+                </a:solidFill>
+                <a:latin typeface="+mn-lt"/>
+                <a:ea typeface="+mn-ea"/>
+                <a:cs typeface="+mn-cs"/>
+              </a:defRPr>
+            </a:pPr>
+            <a:endParaRPr lang="pt-BR"/>
+          </a:p>
+        </c:txPr>
+        <c:crossAx val="410636712"/>
+        <c:crosses val="autoZero"/>
+        <c:auto val="1"/>
+        <c:lblAlgn val="ctr"/>
+        <c:lblOffset val="100"/>
+        <c:noMultiLvlLbl val="0"/>
+      </c:catAx>
+      <c:valAx>
+        <c:axId val="410636712"/>
+        <c:scaling>
+          <c:orientation val="minMax"/>
+        </c:scaling>
+        <c:delete val="0"/>
+        <c:axPos val="l"/>
+        <c:majorGridlines>
+          <c:spPr>
+            <a:ln w="9525" cap="flat" cmpd="sng" algn="ctr">
+              <a:solidFill>
+                <a:schemeClr val="tx1">
+                  <a:lumMod val="15000"/>
+                  <a:lumOff val="85000"/>
+                </a:schemeClr>
+              </a:solidFill>
+              <a:round/>
+            </a:ln>
+            <a:effectLst/>
+          </c:spPr>
+        </c:majorGridlines>
+        <c:numFmt formatCode="General" sourceLinked="1"/>
+        <c:majorTickMark val="none"/>
+        <c:minorTickMark val="none"/>
+        <c:tickLblPos val="nextTo"/>
+        <c:spPr>
+          <a:noFill/>
+          <a:ln>
+            <a:noFill/>
+          </a:ln>
+          <a:effectLst/>
+        </c:spPr>
+        <c:txPr>
+          <a:bodyPr rot="-60000000" spcFirstLastPara="1" vertOverflow="ellipsis" vert="horz" wrap="square" anchor="ctr" anchorCtr="1"/>
+          <a:lstStyle/>
+          <a:p>
+            <a:pPr>
+              <a:defRPr sz="1197" b="0" i="0" u="none" strike="noStrike" kern="1200" baseline="0">
+                <a:solidFill>
+                  <a:schemeClr val="tx1">
+                    <a:lumMod val="65000"/>
+                    <a:lumOff val="35000"/>
+                  </a:schemeClr>
+                </a:solidFill>
+                <a:latin typeface="+mn-lt"/>
+                <a:ea typeface="+mn-ea"/>
+                <a:cs typeface="+mn-cs"/>
+              </a:defRPr>
+            </a:pPr>
+            <a:endParaRPr lang="pt-BR"/>
+          </a:p>
+        </c:txPr>
+        <c:crossAx val="410635400"/>
+        <c:crosses val="autoZero"/>
+        <c:crossBetween val="between"/>
+      </c:valAx>
+      <c:spPr>
+        <a:noFill/>
+        <a:ln>
+          <a:noFill/>
+        </a:ln>
+        <a:effectLst/>
+      </c:spPr>
+    </c:plotArea>
+    <c:legend>
+      <c:legendPos val="b"/>
+      <c:overlay val="0"/>
+      <c:spPr>
+        <a:noFill/>
+        <a:ln>
+          <a:noFill/>
+        </a:ln>
+        <a:effectLst/>
+      </c:spPr>
+      <c:txPr>
+        <a:bodyPr rot="0" spcFirstLastPara="1" vertOverflow="ellipsis" vert="horz" wrap="square" anchor="ctr" anchorCtr="1"/>
+        <a:lstStyle/>
+        <a:p>
+          <a:pPr>
+            <a:defRPr sz="1197" b="0" i="0" u="none" strike="noStrike" kern="1200" baseline="0">
+              <a:solidFill>
+                <a:schemeClr val="tx1">
+                  <a:lumMod val="65000"/>
+                  <a:lumOff val="35000"/>
+                </a:schemeClr>
+              </a:solidFill>
+              <a:latin typeface="+mn-lt"/>
+              <a:ea typeface="+mn-ea"/>
+              <a:cs typeface="+mn-cs"/>
+            </a:defRPr>
+          </a:pPr>
+          <a:endParaRPr lang="pt-BR"/>
+        </a:p>
+      </c:txPr>
+    </c:legend>
+    <c:plotVisOnly val="1"/>
+    <c:dispBlanksAs val="gap"/>
+    <c:extLst>
+      <c:ext xmlns:c16r3="http://schemas.microsoft.com/office/drawing/2017/03/chart" uri="{56B9EC1D-385E-4148-901F-78D8002777C0}">
+        <c16r3:dataDisplayOptions16>
+          <c16r3:dispNaAsBlank val="1"/>
+        </c16r3:dataDisplayOptions16>
+      </c:ext>
+    </c:extLst>
+    <c:showDLblsOverMax val="0"/>
+  </c:chart>
+  <c:spPr>
+    <a:noFill/>
+    <a:ln>
+      <a:noFill/>
+    </a:ln>
+    <a:effectLst/>
+  </c:spPr>
+  <c:txPr>
+    <a:bodyPr/>
+    <a:lstStyle/>
+    <a:p>
+      <a:pPr>
+        <a:defRPr/>
+      </a:pPr>
+      <a:endParaRPr lang="pt-BR"/>
+    </a:p>
+  </c:txPr>
+  <c:externalData r:id="rId3">
+    <c:autoUpdate val="0"/>
+  </c:externalData>
+</c:chartSpace>
+</file>
+
+<file path=ppt/charts/chart9.xml><?xml version="1.0" encoding="utf-8"?>
+<c:chartSpace xmlns:c="http://schemas.openxmlformats.org/drawingml/2006/chart" xmlns:a="http://schemas.openxmlformats.org/drawingml/2006/main" xmlns:r="http://schemas.openxmlformats.org/officeDocument/2006/relationships" xmlns:c16r2="http://schemas.microsoft.com/office/drawing/2015/06/chart">
+  <c:date1904 val="0"/>
+  <c:lang val="pt-BR"/>
+  <c:roundedCorners val="0"/>
+  <mc:AlternateContent xmlns:mc="http://schemas.openxmlformats.org/markup-compatibility/2006">
+    <mc:Choice xmlns:c14="http://schemas.microsoft.com/office/drawing/2007/8/2/chart" Requires="c14">
+      <c14:style val="102"/>
+    </mc:Choice>
+    <mc:Fallback>
+      <c:style val="2"/>
+    </mc:Fallback>
+  </mc:AlternateContent>
+  <c:chart>
+    <c:title>
+      <c:tx>
+        <c:rich>
+          <a:bodyPr rot="0" spcFirstLastPara="1" vertOverflow="ellipsis" vert="horz" wrap="square" anchor="ctr" anchorCtr="1"/>
+          <a:lstStyle/>
+          <a:p>
+            <a:pPr>
+              <a:defRPr sz="1862" b="0" i="0" u="none" strike="noStrike" kern="1200" spc="0" baseline="0">
+                <a:solidFill>
+                  <a:schemeClr val="tx1">
+                    <a:lumMod val="65000"/>
+                    <a:lumOff val="35000"/>
+                  </a:schemeClr>
+                </a:solidFill>
+                <a:latin typeface="+mn-lt"/>
+                <a:ea typeface="+mn-ea"/>
+                <a:cs typeface="+mn-cs"/>
+              </a:defRPr>
+            </a:pPr>
+            <a:r>
+              <a:rPr lang="en-US" sz="1862" b="0" i="0" u="none" strike="noStrike" baseline="0" dirty="0">
+                <a:effectLst/>
+              </a:rPr>
+              <a:t>SELECT </a:t>
+            </a:r>
+            <a:r>
+              <a:rPr lang="en-US" sz="1862" b="0" i="0" u="none" strike="noStrike" baseline="0" dirty="0" err="1">
+                <a:effectLst/>
+              </a:rPr>
+              <a:t>localizador</a:t>
+            </a:r>
+            <a:r>
+              <a:rPr lang="en-US" sz="1862" b="0" i="0" u="none" strike="noStrike" baseline="0" dirty="0">
+                <a:effectLst/>
+              </a:rPr>
+              <a:t>, </a:t>
+            </a:r>
+            <a:r>
+              <a:rPr lang="en-US" sz="1862" b="0" i="0" u="none" strike="noStrike" baseline="0" dirty="0" err="1">
+                <a:effectLst/>
+              </a:rPr>
+              <a:t>pais</a:t>
+            </a:r>
+            <a:r>
+              <a:rPr lang="en-US" sz="1862" b="0" i="0" u="none" strike="noStrike" baseline="0" dirty="0">
+                <a:effectLst/>
+              </a:rPr>
+              <a:t>, count(*) FROM </a:t>
+            </a:r>
+            <a:r>
+              <a:rPr lang="en-US" sz="1862" b="0" i="0" u="none" strike="noStrike" baseline="0" dirty="0" err="1">
+                <a:effectLst/>
+              </a:rPr>
+              <a:t>pessoas</a:t>
+            </a:r>
+            <a:r>
+              <a:rPr lang="en-US" sz="1862" b="0" i="0" u="none" strike="noStrike" baseline="0" dirty="0">
+                <a:effectLst/>
+              </a:rPr>
+              <a:t> GROUP BY </a:t>
+            </a:r>
+            <a:r>
+              <a:rPr lang="en-US" sz="1862" b="0" i="0" u="none" strike="noStrike" baseline="0" dirty="0" err="1">
+                <a:effectLst/>
+              </a:rPr>
+              <a:t>localizador</a:t>
+            </a:r>
+            <a:r>
+              <a:rPr lang="en-US" sz="1862" b="0" i="0" u="none" strike="noStrike" baseline="0" dirty="0">
+                <a:effectLst/>
+              </a:rPr>
+              <a:t>, </a:t>
+            </a:r>
+            <a:r>
+              <a:rPr lang="en-US" sz="1862" b="0" i="0" u="none" strike="noStrike" baseline="0" dirty="0" err="1">
+                <a:effectLst/>
+              </a:rPr>
+              <a:t>pais</a:t>
+            </a:r>
+            <a:r>
+              <a:rPr lang="en-US" sz="1862" b="0" i="0" u="none" strike="noStrike" baseline="0" dirty="0">
+                <a:effectLst/>
+              </a:rPr>
+              <a:t>;</a:t>
+            </a:r>
+            <a:endParaRPr lang="pt-BR" dirty="0"/>
+          </a:p>
+        </c:rich>
+      </c:tx>
+      <c:overlay val="0"/>
+      <c:spPr>
+        <a:noFill/>
+        <a:ln>
+          <a:noFill/>
+        </a:ln>
+        <a:effectLst/>
+      </c:spPr>
+      <c:txPr>
+        <a:bodyPr rot="0" spcFirstLastPara="1" vertOverflow="ellipsis" vert="horz" wrap="square" anchor="ctr" anchorCtr="1"/>
+        <a:lstStyle/>
+        <a:p>
+          <a:pPr>
+            <a:defRPr sz="1862" b="0" i="0" u="none" strike="noStrike" kern="1200" spc="0" baseline="0">
+              <a:solidFill>
+                <a:schemeClr val="tx1">
+                  <a:lumMod val="65000"/>
+                  <a:lumOff val="35000"/>
+                </a:schemeClr>
+              </a:solidFill>
+              <a:latin typeface="+mn-lt"/>
+              <a:ea typeface="+mn-ea"/>
+              <a:cs typeface="+mn-cs"/>
+            </a:defRPr>
+          </a:pPr>
+          <a:endParaRPr lang="pt-BR"/>
+        </a:p>
+      </c:txPr>
+    </c:title>
+    <c:autoTitleDeleted val="0"/>
+    <c:plotArea>
+      <c:layout/>
+      <c:barChart>
+        <c:barDir val="col"/>
+        <c:grouping val="clustered"/>
+        <c:varyColors val="0"/>
+        <c:ser>
+          <c:idx val="0"/>
+          <c:order val="0"/>
+          <c:tx>
+            <c:strRef>
+              <c:f>Planilha1!$B$1</c:f>
+              <c:strCache>
+                <c:ptCount val="1"/>
+                <c:pt idx="0">
+                  <c:v>1</c:v>
+                </c:pt>
+              </c:strCache>
+            </c:strRef>
+          </c:tx>
+          <c:spPr>
+            <a:solidFill>
+              <a:schemeClr val="accent1"/>
+            </a:solidFill>
+            <a:ln>
+              <a:noFill/>
+            </a:ln>
+            <a:effectLst/>
+          </c:spPr>
+          <c:invertIfNegative val="0"/>
+          <c:cat>
+            <c:strRef>
+              <c:f>Planilha1!$A$2</c:f>
+              <c:strCache>
+                <c:ptCount val="1"/>
+                <c:pt idx="0">
+                  <c:v>Nona Consulta</c:v>
+                </c:pt>
+              </c:strCache>
+            </c:strRef>
+          </c:cat>
+          <c:val>
+            <c:numRef>
+              <c:f>Planilha1!$B$2</c:f>
+              <c:numCache>
+                <c:formatCode>General</c:formatCode>
+                <c:ptCount val="1"/>
+                <c:pt idx="0">
+                  <c:v>0.73499999999999999</c:v>
+                </c:pt>
+              </c:numCache>
+            </c:numRef>
+          </c:val>
+          <c:extLst>
+            <c:ext xmlns:c16="http://schemas.microsoft.com/office/drawing/2014/chart" uri="{C3380CC4-5D6E-409C-BE32-E72D297353CC}">
+              <c16:uniqueId val="{00000000-9AED-4E78-9D96-77F6D4E3D252}"/>
+            </c:ext>
+          </c:extLst>
+        </c:ser>
+        <c:ser>
+          <c:idx val="1"/>
+          <c:order val="1"/>
+          <c:tx>
+            <c:strRef>
+              <c:f>Planilha1!$C$1</c:f>
+              <c:strCache>
+                <c:ptCount val="1"/>
+                <c:pt idx="0">
+                  <c:v>2</c:v>
+                </c:pt>
+              </c:strCache>
+            </c:strRef>
+          </c:tx>
+          <c:spPr>
+            <a:solidFill>
+              <a:schemeClr val="accent2"/>
+            </a:solidFill>
+            <a:ln>
+              <a:noFill/>
+            </a:ln>
+            <a:effectLst/>
+          </c:spPr>
+          <c:invertIfNegative val="0"/>
+          <c:cat>
+            <c:strRef>
+              <c:f>Planilha1!$A$2</c:f>
+              <c:strCache>
+                <c:ptCount val="1"/>
+                <c:pt idx="0">
+                  <c:v>Nona Consulta</c:v>
+                </c:pt>
+              </c:strCache>
+            </c:strRef>
+          </c:cat>
+          <c:val>
+            <c:numRef>
+              <c:f>Planilha1!$C$2</c:f>
+              <c:numCache>
+                <c:formatCode>General</c:formatCode>
+                <c:ptCount val="1"/>
+                <c:pt idx="0">
+                  <c:v>0.45300000000000001</c:v>
+                </c:pt>
+              </c:numCache>
+            </c:numRef>
+          </c:val>
+          <c:extLst>
+            <c:ext xmlns:c16="http://schemas.microsoft.com/office/drawing/2014/chart" uri="{C3380CC4-5D6E-409C-BE32-E72D297353CC}">
+              <c16:uniqueId val="{00000001-9AED-4E78-9D96-77F6D4E3D252}"/>
+            </c:ext>
+          </c:extLst>
+        </c:ser>
+        <c:ser>
+          <c:idx val="2"/>
+          <c:order val="2"/>
+          <c:tx>
+            <c:strRef>
+              <c:f>Planilha1!$D$1</c:f>
+              <c:strCache>
+                <c:ptCount val="1"/>
+                <c:pt idx="0">
+                  <c:v>3</c:v>
+                </c:pt>
+              </c:strCache>
+            </c:strRef>
+          </c:tx>
+          <c:spPr>
+            <a:solidFill>
+              <a:schemeClr val="accent3"/>
+            </a:solidFill>
+            <a:ln>
+              <a:noFill/>
+            </a:ln>
+            <a:effectLst/>
+          </c:spPr>
+          <c:invertIfNegative val="0"/>
+          <c:cat>
+            <c:strRef>
+              <c:f>Planilha1!$A$2</c:f>
+              <c:strCache>
+                <c:ptCount val="1"/>
+                <c:pt idx="0">
+                  <c:v>Nona Consulta</c:v>
+                </c:pt>
+              </c:strCache>
+            </c:strRef>
+          </c:cat>
+          <c:val>
+            <c:numRef>
+              <c:f>Planilha1!$D$2</c:f>
+              <c:numCache>
+                <c:formatCode>General</c:formatCode>
+                <c:ptCount val="1"/>
+                <c:pt idx="0">
+                  <c:v>0.5</c:v>
+                </c:pt>
+              </c:numCache>
+            </c:numRef>
+          </c:val>
+          <c:extLst>
+            <c:ext xmlns:c16="http://schemas.microsoft.com/office/drawing/2014/chart" uri="{C3380CC4-5D6E-409C-BE32-E72D297353CC}">
+              <c16:uniqueId val="{00000002-9AED-4E78-9D96-77F6D4E3D252}"/>
+            </c:ext>
+          </c:extLst>
+        </c:ser>
+        <c:ser>
+          <c:idx val="3"/>
+          <c:order val="3"/>
+          <c:tx>
+            <c:strRef>
+              <c:f>Planilha1!$E$1</c:f>
+              <c:strCache>
+                <c:ptCount val="1"/>
+                <c:pt idx="0">
+                  <c:v>Média</c:v>
+                </c:pt>
+              </c:strCache>
+            </c:strRef>
+          </c:tx>
+          <c:spPr>
+            <a:solidFill>
+              <a:schemeClr val="accent4"/>
+            </a:solidFill>
+            <a:ln>
+              <a:noFill/>
+            </a:ln>
+            <a:effectLst/>
+          </c:spPr>
+          <c:invertIfNegative val="0"/>
+          <c:cat>
+            <c:strRef>
+              <c:f>Planilha1!$A$2</c:f>
+              <c:strCache>
+                <c:ptCount val="1"/>
+                <c:pt idx="0">
+                  <c:v>Nona Consulta</c:v>
+                </c:pt>
+              </c:strCache>
+            </c:strRef>
+          </c:cat>
+          <c:val>
+            <c:numRef>
+              <c:f>Planilha1!$E$2</c:f>
+              <c:numCache>
+                <c:formatCode>General</c:formatCode>
+                <c:ptCount val="1"/>
+                <c:pt idx="0">
+                  <c:v>0.56266666666666665</c:v>
+                </c:pt>
+              </c:numCache>
+            </c:numRef>
+          </c:val>
+          <c:extLst>
+            <c:ext xmlns:c16="http://schemas.microsoft.com/office/drawing/2014/chart" uri="{C3380CC4-5D6E-409C-BE32-E72D297353CC}">
+              <c16:uniqueId val="{00000003-9AED-4E78-9D96-77F6D4E3D252}"/>
+            </c:ext>
+          </c:extLst>
+        </c:ser>
+        <c:dLbls>
+          <c:showLegendKey val="0"/>
+          <c:showVal val="0"/>
+          <c:showCatName val="0"/>
+          <c:showSerName val="0"/>
+          <c:showPercent val="0"/>
+          <c:showBubbleSize val="0"/>
+        </c:dLbls>
+        <c:gapWidth val="219"/>
+        <c:overlap val="-27"/>
+        <c:axId val="410635400"/>
+        <c:axId val="410636712"/>
+      </c:barChart>
+      <c:catAx>
+        <c:axId val="410635400"/>
+        <c:scaling>
+          <c:orientation val="minMax"/>
+        </c:scaling>
+        <c:delete val="0"/>
+        <c:axPos val="b"/>
+        <c:numFmt formatCode="General" sourceLinked="1"/>
+        <c:majorTickMark val="none"/>
+        <c:minorTickMark val="none"/>
+        <c:tickLblPos val="nextTo"/>
+        <c:spPr>
+          <a:noFill/>
+          <a:ln w="9525" cap="flat" cmpd="sng" algn="ctr">
+            <a:solidFill>
+              <a:schemeClr val="tx1">
+                <a:lumMod val="15000"/>
+                <a:lumOff val="85000"/>
+              </a:schemeClr>
+            </a:solidFill>
+            <a:round/>
+          </a:ln>
+          <a:effectLst/>
+        </c:spPr>
+        <c:txPr>
+          <a:bodyPr rot="-60000000" spcFirstLastPara="1" vertOverflow="ellipsis" vert="horz" wrap="square" anchor="ctr" anchorCtr="1"/>
+          <a:lstStyle/>
+          <a:p>
+            <a:pPr>
+              <a:defRPr sz="1197" b="0" i="0" u="none" strike="noStrike" kern="1200" baseline="0">
+                <a:solidFill>
+                  <a:schemeClr val="tx1">
+                    <a:lumMod val="65000"/>
+                    <a:lumOff val="35000"/>
+                  </a:schemeClr>
+                </a:solidFill>
+                <a:latin typeface="+mn-lt"/>
+                <a:ea typeface="+mn-ea"/>
+                <a:cs typeface="+mn-cs"/>
+              </a:defRPr>
+            </a:pPr>
+            <a:endParaRPr lang="pt-BR"/>
+          </a:p>
+        </c:txPr>
+        <c:crossAx val="410636712"/>
+        <c:crosses val="autoZero"/>
+        <c:auto val="1"/>
+        <c:lblAlgn val="ctr"/>
+        <c:lblOffset val="100"/>
+        <c:noMultiLvlLbl val="0"/>
+      </c:catAx>
+      <c:valAx>
+        <c:axId val="410636712"/>
+        <c:scaling>
+          <c:orientation val="minMax"/>
+        </c:scaling>
+        <c:delete val="0"/>
+        <c:axPos val="l"/>
+        <c:majorGridlines>
+          <c:spPr>
+            <a:ln w="9525" cap="flat" cmpd="sng" algn="ctr">
+              <a:solidFill>
+                <a:schemeClr val="tx1">
+                  <a:lumMod val="15000"/>
+                  <a:lumOff val="85000"/>
+                </a:schemeClr>
+              </a:solidFill>
+              <a:round/>
+            </a:ln>
+            <a:effectLst/>
+          </c:spPr>
+        </c:majorGridlines>
+        <c:numFmt formatCode="General" sourceLinked="1"/>
+        <c:majorTickMark val="none"/>
+        <c:minorTickMark val="none"/>
+        <c:tickLblPos val="nextTo"/>
+        <c:spPr>
+          <a:noFill/>
+          <a:ln>
+            <a:noFill/>
+          </a:ln>
+          <a:effectLst/>
+        </c:spPr>
+        <c:txPr>
+          <a:bodyPr rot="-60000000" spcFirstLastPara="1" vertOverflow="ellipsis" vert="horz" wrap="square" anchor="ctr" anchorCtr="1"/>
+          <a:lstStyle/>
+          <a:p>
+            <a:pPr>
+              <a:defRPr sz="1197" b="0" i="0" u="none" strike="noStrike" kern="1200" baseline="0">
+                <a:solidFill>
+                  <a:schemeClr val="tx1">
+                    <a:lumMod val="65000"/>
+                    <a:lumOff val="35000"/>
+                  </a:schemeClr>
+                </a:solidFill>
+                <a:latin typeface="+mn-lt"/>
+                <a:ea typeface="+mn-ea"/>
+                <a:cs typeface="+mn-cs"/>
+              </a:defRPr>
+            </a:pPr>
+            <a:endParaRPr lang="pt-BR"/>
+          </a:p>
+        </c:txPr>
+        <c:crossAx val="410635400"/>
+        <c:crosses val="autoZero"/>
+        <c:crossBetween val="between"/>
+      </c:valAx>
+      <c:spPr>
+        <a:noFill/>
+        <a:ln>
+          <a:noFill/>
+        </a:ln>
+        <a:effectLst/>
+      </c:spPr>
+    </c:plotArea>
+    <c:legend>
+      <c:legendPos val="b"/>
+      <c:overlay val="0"/>
+      <c:spPr>
+        <a:noFill/>
+        <a:ln>
+          <a:noFill/>
+        </a:ln>
+        <a:effectLst/>
+      </c:spPr>
+      <c:txPr>
+        <a:bodyPr rot="0" spcFirstLastPara="1" vertOverflow="ellipsis" vert="horz" wrap="square" anchor="ctr" anchorCtr="1"/>
+        <a:lstStyle/>
+        <a:p>
+          <a:pPr>
+            <a:defRPr sz="1197" b="0" i="0" u="none" strike="noStrike" kern="1200" baseline="0">
+              <a:solidFill>
+                <a:schemeClr val="tx1">
+                  <a:lumMod val="65000"/>
+                  <a:lumOff val="35000"/>
+                </a:schemeClr>
+              </a:solidFill>
+              <a:latin typeface="+mn-lt"/>
+              <a:ea typeface="+mn-ea"/>
+              <a:cs typeface="+mn-cs"/>
+            </a:defRPr>
+          </a:pPr>
+          <a:endParaRPr lang="pt-BR"/>
+        </a:p>
+      </c:txPr>
+    </c:legend>
+    <c:plotVisOnly val="1"/>
+    <c:dispBlanksAs val="gap"/>
+    <c:extLst>
+      <c:ext xmlns:c16r3="http://schemas.microsoft.com/office/drawing/2017/03/chart" uri="{56B9EC1D-385E-4148-901F-78D8002777C0}">
+        <c16r3:dataDisplayOptions16>
+          <c16r3:dispNaAsBlank val="1"/>
+        </c16r3:dataDisplayOptions16>
+      </c:ext>
+    </c:extLst>
+    <c:showDLblsOverMax val="0"/>
+  </c:chart>
+  <c:spPr>
+    <a:noFill/>
+    <a:ln>
+      <a:noFill/>
+    </a:ln>
+    <a:effectLst/>
+  </c:spPr>
+  <c:txPr>
+    <a:bodyPr/>
+    <a:lstStyle/>
+    <a:p>
+      <a:pPr>
+        <a:defRPr/>
+      </a:pPr>
+      <a:endParaRPr lang="pt-BR"/>
+    </a:p>
+  </c:txPr>
+  <c:externalData r:id="rId3">
+    <c:autoUpdate val="0"/>
+  </c:externalData>
+</c:chartSpace>
+</file>
+
 <file path=ppt/charts/colors1.xml><?xml version="1.0" encoding="utf-8"?>
+<cs:colorStyle xmlns:cs="http://schemas.microsoft.com/office/drawing/2012/chartStyle" xmlns:a="http://schemas.openxmlformats.org/drawingml/2006/main" meth="cycle" id="10">
+  <a:schemeClr val="accent1"/>
+  <a:schemeClr val="accent2"/>
+  <a:schemeClr val="accent3"/>
+  <a:schemeClr val="accent4"/>
+  <a:schemeClr val="accent5"/>
+  <a:schemeClr val="accent6"/>
+  <cs:variation/>
+  <cs:variation>
+    <a:lumMod val="60000"/>
+  </cs:variation>
+  <cs:variation>
+    <a:lumMod val="80000"/>
+    <a:lumOff val="20000"/>
+  </cs:variation>
+  <cs:variation>
+    <a:lumMod val="80000"/>
+  </cs:variation>
+  <cs:variation>
+    <a:lumMod val="60000"/>
+    <a:lumOff val="40000"/>
+  </cs:variation>
+  <cs:variation>
+    <a:lumMod val="50000"/>
+  </cs:variation>
+  <cs:variation>
+    <a:lumMod val="70000"/>
+    <a:lumOff val="30000"/>
+  </cs:variation>
+  <cs:variation>
+    <a:lumMod val="70000"/>
+  </cs:variation>
+  <cs:variation>
+    <a:lumMod val="50000"/>
+    <a:lumOff val="50000"/>
+  </cs:variation>
+</cs:colorStyle>
+</file>
+
+<file path=ppt/charts/colors10.xml><?xml version="1.0" encoding="utf-8"?>
 <cs:colorStyle xmlns:cs="http://schemas.microsoft.com/office/drawing/2012/chartStyle" xmlns:a="http://schemas.openxmlformats.org/drawingml/2006/main" meth="cycle" id="10">
   <a:schemeClr val="accent1"/>
   <a:schemeClr val="accent2"/>
@@ -4091,6 +5770,86 @@
 </cs:colorStyle>
 </file>
 
+<file path=ppt/charts/colors8.xml><?xml version="1.0" encoding="utf-8"?>
+<cs:colorStyle xmlns:cs="http://schemas.microsoft.com/office/drawing/2012/chartStyle" xmlns:a="http://schemas.openxmlformats.org/drawingml/2006/main" meth="cycle" id="10">
+  <a:schemeClr val="accent1"/>
+  <a:schemeClr val="accent2"/>
+  <a:schemeClr val="accent3"/>
+  <a:schemeClr val="accent4"/>
+  <a:schemeClr val="accent5"/>
+  <a:schemeClr val="accent6"/>
+  <cs:variation/>
+  <cs:variation>
+    <a:lumMod val="60000"/>
+  </cs:variation>
+  <cs:variation>
+    <a:lumMod val="80000"/>
+    <a:lumOff val="20000"/>
+  </cs:variation>
+  <cs:variation>
+    <a:lumMod val="80000"/>
+  </cs:variation>
+  <cs:variation>
+    <a:lumMod val="60000"/>
+    <a:lumOff val="40000"/>
+  </cs:variation>
+  <cs:variation>
+    <a:lumMod val="50000"/>
+  </cs:variation>
+  <cs:variation>
+    <a:lumMod val="70000"/>
+    <a:lumOff val="30000"/>
+  </cs:variation>
+  <cs:variation>
+    <a:lumMod val="70000"/>
+  </cs:variation>
+  <cs:variation>
+    <a:lumMod val="50000"/>
+    <a:lumOff val="50000"/>
+  </cs:variation>
+</cs:colorStyle>
+</file>
+
+<file path=ppt/charts/colors9.xml><?xml version="1.0" encoding="utf-8"?>
+<cs:colorStyle xmlns:cs="http://schemas.microsoft.com/office/drawing/2012/chartStyle" xmlns:a="http://schemas.openxmlformats.org/drawingml/2006/main" meth="cycle" id="10">
+  <a:schemeClr val="accent1"/>
+  <a:schemeClr val="accent2"/>
+  <a:schemeClr val="accent3"/>
+  <a:schemeClr val="accent4"/>
+  <a:schemeClr val="accent5"/>
+  <a:schemeClr val="accent6"/>
+  <cs:variation/>
+  <cs:variation>
+    <a:lumMod val="60000"/>
+  </cs:variation>
+  <cs:variation>
+    <a:lumMod val="80000"/>
+    <a:lumOff val="20000"/>
+  </cs:variation>
+  <cs:variation>
+    <a:lumMod val="80000"/>
+  </cs:variation>
+  <cs:variation>
+    <a:lumMod val="60000"/>
+    <a:lumOff val="40000"/>
+  </cs:variation>
+  <cs:variation>
+    <a:lumMod val="50000"/>
+  </cs:variation>
+  <cs:variation>
+    <a:lumMod val="70000"/>
+    <a:lumOff val="30000"/>
+  </cs:variation>
+  <cs:variation>
+    <a:lumMod val="70000"/>
+  </cs:variation>
+  <cs:variation>
+    <a:lumMod val="50000"/>
+    <a:lumOff val="50000"/>
+  </cs:variation>
+</cs:colorStyle>
+</file>
+
 <file path=ppt/charts/style1.xml><?xml version="1.0" encoding="utf-8"?>
 <cs:chartStyle xmlns:cs="http://schemas.microsoft.com/office/drawing/2012/chartStyle" xmlns:a="http://schemas.openxmlformats.org/drawingml/2006/main" id="201">
   <cs:axisTitle>
@@ -4594,7 +6353,7 @@
 </cs:chartStyle>
 </file>
 
-<file path=ppt/charts/style2.xml><?xml version="1.0" encoding="utf-8"?>
+<file path=ppt/charts/style10.xml><?xml version="1.0" encoding="utf-8"?>
 <cs:chartStyle xmlns:cs="http://schemas.microsoft.com/office/drawing/2012/chartStyle" xmlns:a="http://schemas.openxmlformats.org/drawingml/2006/main" id="201">
   <cs:axisTitle>
     <cs:lnRef idx="0"/>
@@ -5097,7 +6856,7 @@
 </cs:chartStyle>
 </file>
 
-<file path=ppt/charts/style3.xml><?xml version="1.0" encoding="utf-8"?>
+<file path=ppt/charts/style2.xml><?xml version="1.0" encoding="utf-8"?>
 <cs:chartStyle xmlns:cs="http://schemas.microsoft.com/office/drawing/2012/chartStyle" xmlns:a="http://schemas.openxmlformats.org/drawingml/2006/main" id="201">
   <cs:axisTitle>
     <cs:lnRef idx="0"/>
@@ -5600,7 +7359,7 @@
 </cs:chartStyle>
 </file>
 
-<file path=ppt/charts/style4.xml><?xml version="1.0" encoding="utf-8"?>
+<file path=ppt/charts/style3.xml><?xml version="1.0" encoding="utf-8"?>
 <cs:chartStyle xmlns:cs="http://schemas.microsoft.com/office/drawing/2012/chartStyle" xmlns:a="http://schemas.openxmlformats.org/drawingml/2006/main" id="201">
   <cs:axisTitle>
     <cs:lnRef idx="0"/>
@@ -6103,7 +7862,7 @@
 </cs:chartStyle>
 </file>
 
-<file path=ppt/charts/style5.xml><?xml version="1.0" encoding="utf-8"?>
+<file path=ppt/charts/style4.xml><?xml version="1.0" encoding="utf-8"?>
 <cs:chartStyle xmlns:cs="http://schemas.microsoft.com/office/drawing/2012/chartStyle" xmlns:a="http://schemas.openxmlformats.org/drawingml/2006/main" id="201">
   <cs:axisTitle>
     <cs:lnRef idx="0"/>
@@ -6606,7 +8365,7 @@
 </cs:chartStyle>
 </file>
 
-<file path=ppt/charts/style6.xml><?xml version="1.0" encoding="utf-8"?>
+<file path=ppt/charts/style5.xml><?xml version="1.0" encoding="utf-8"?>
 <cs:chartStyle xmlns:cs="http://schemas.microsoft.com/office/drawing/2012/chartStyle" xmlns:a="http://schemas.openxmlformats.org/drawingml/2006/main" id="201">
   <cs:axisTitle>
     <cs:lnRef idx="0"/>
@@ -7109,7 +8868,1516 @@
 </cs:chartStyle>
 </file>
 
+<file path=ppt/charts/style6.xml><?xml version="1.0" encoding="utf-8"?>
+<cs:chartStyle xmlns:cs="http://schemas.microsoft.com/office/drawing/2012/chartStyle" xmlns:a="http://schemas.openxmlformats.org/drawingml/2006/main" id="201">
+  <cs:axisTitle>
+    <cs:lnRef idx="0"/>
+    <cs:fillRef idx="0"/>
+    <cs:effectRef idx="0"/>
+    <cs:fontRef idx="minor">
+      <a:schemeClr val="tx1">
+        <a:lumMod val="65000"/>
+        <a:lumOff val="35000"/>
+      </a:schemeClr>
+    </cs:fontRef>
+    <cs:defRPr sz="1330" kern="1200"/>
+  </cs:axisTitle>
+  <cs:categoryAxis>
+    <cs:lnRef idx="0"/>
+    <cs:fillRef idx="0"/>
+    <cs:effectRef idx="0"/>
+    <cs:fontRef idx="minor">
+      <a:schemeClr val="tx1">
+        <a:lumMod val="65000"/>
+        <a:lumOff val="35000"/>
+      </a:schemeClr>
+    </cs:fontRef>
+    <cs:spPr>
+      <a:ln w="9525" cap="flat" cmpd="sng" algn="ctr">
+        <a:solidFill>
+          <a:schemeClr val="tx1">
+            <a:lumMod val="15000"/>
+            <a:lumOff val="85000"/>
+          </a:schemeClr>
+        </a:solidFill>
+        <a:round/>
+      </a:ln>
+    </cs:spPr>
+    <cs:defRPr sz="1197" kern="1200"/>
+  </cs:categoryAxis>
+  <cs:chartArea mods="allowNoFillOverride allowNoLineOverride">
+    <cs:lnRef idx="0"/>
+    <cs:fillRef idx="0"/>
+    <cs:effectRef idx="0"/>
+    <cs:fontRef idx="minor">
+      <a:schemeClr val="tx1"/>
+    </cs:fontRef>
+    <cs:spPr>
+      <a:solidFill>
+        <a:schemeClr val="bg1"/>
+      </a:solidFill>
+      <a:ln w="9525" cap="flat" cmpd="sng" algn="ctr">
+        <a:solidFill>
+          <a:schemeClr val="tx1">
+            <a:lumMod val="15000"/>
+            <a:lumOff val="85000"/>
+          </a:schemeClr>
+        </a:solidFill>
+        <a:round/>
+      </a:ln>
+    </cs:spPr>
+    <cs:defRPr sz="1330" kern="1200"/>
+  </cs:chartArea>
+  <cs:dataLabel>
+    <cs:lnRef idx="0"/>
+    <cs:fillRef idx="0"/>
+    <cs:effectRef idx="0"/>
+    <cs:fontRef idx="minor">
+      <a:schemeClr val="tx1">
+        <a:lumMod val="75000"/>
+        <a:lumOff val="25000"/>
+      </a:schemeClr>
+    </cs:fontRef>
+    <cs:defRPr sz="1197" kern="1200"/>
+  </cs:dataLabel>
+  <cs:dataLabelCallout>
+    <cs:lnRef idx="0"/>
+    <cs:fillRef idx="0"/>
+    <cs:effectRef idx="0"/>
+    <cs:fontRef idx="minor">
+      <a:schemeClr val="dk1">
+        <a:lumMod val="65000"/>
+        <a:lumOff val="35000"/>
+      </a:schemeClr>
+    </cs:fontRef>
+    <cs:spPr>
+      <a:solidFill>
+        <a:schemeClr val="lt1"/>
+      </a:solidFill>
+      <a:ln>
+        <a:solidFill>
+          <a:schemeClr val="dk1">
+            <a:lumMod val="25000"/>
+            <a:lumOff val="75000"/>
+          </a:schemeClr>
+        </a:solidFill>
+      </a:ln>
+    </cs:spPr>
+    <cs:defRPr sz="1197" kern="1200"/>
+    <cs:bodyPr rot="0" spcFirstLastPara="1" vertOverflow="clip" horzOverflow="clip" vert="horz" wrap="square" lIns="36576" tIns="18288" rIns="36576" bIns="18288" anchor="ctr" anchorCtr="1">
+      <a:spAutoFit/>
+    </cs:bodyPr>
+  </cs:dataLabelCallout>
+  <cs:dataPoint>
+    <cs:lnRef idx="0"/>
+    <cs:fillRef idx="1">
+      <cs:styleClr val="auto"/>
+    </cs:fillRef>
+    <cs:effectRef idx="0"/>
+    <cs:fontRef idx="minor">
+      <a:schemeClr val="tx1"/>
+    </cs:fontRef>
+  </cs:dataPoint>
+  <cs:dataPoint3D>
+    <cs:lnRef idx="0"/>
+    <cs:fillRef idx="1">
+      <cs:styleClr val="auto"/>
+    </cs:fillRef>
+    <cs:effectRef idx="0"/>
+    <cs:fontRef idx="minor">
+      <a:schemeClr val="tx1"/>
+    </cs:fontRef>
+  </cs:dataPoint3D>
+  <cs:dataPointLine>
+    <cs:lnRef idx="0">
+      <cs:styleClr val="auto"/>
+    </cs:lnRef>
+    <cs:fillRef idx="1"/>
+    <cs:effectRef idx="0"/>
+    <cs:fontRef idx="minor">
+      <a:schemeClr val="tx1"/>
+    </cs:fontRef>
+    <cs:spPr>
+      <a:ln w="28575" cap="rnd">
+        <a:solidFill>
+          <a:schemeClr val="phClr"/>
+        </a:solidFill>
+        <a:round/>
+      </a:ln>
+    </cs:spPr>
+  </cs:dataPointLine>
+  <cs:dataPointMarker>
+    <cs:lnRef idx="0">
+      <cs:styleClr val="auto"/>
+    </cs:lnRef>
+    <cs:fillRef idx="1">
+      <cs:styleClr val="auto"/>
+    </cs:fillRef>
+    <cs:effectRef idx="0"/>
+    <cs:fontRef idx="minor">
+      <a:schemeClr val="tx1"/>
+    </cs:fontRef>
+    <cs:spPr>
+      <a:ln w="9525">
+        <a:solidFill>
+          <a:schemeClr val="phClr"/>
+        </a:solidFill>
+      </a:ln>
+    </cs:spPr>
+  </cs:dataPointMarker>
+  <cs:dataPointMarkerLayout symbol="circle" size="5"/>
+  <cs:dataPointWireframe>
+    <cs:lnRef idx="0">
+      <cs:styleClr val="auto"/>
+    </cs:lnRef>
+    <cs:fillRef idx="1"/>
+    <cs:effectRef idx="0"/>
+    <cs:fontRef idx="minor">
+      <a:schemeClr val="tx1"/>
+    </cs:fontRef>
+    <cs:spPr>
+      <a:ln w="9525" cap="rnd">
+        <a:solidFill>
+          <a:schemeClr val="phClr"/>
+        </a:solidFill>
+        <a:round/>
+      </a:ln>
+    </cs:spPr>
+  </cs:dataPointWireframe>
+  <cs:dataTable>
+    <cs:lnRef idx="0"/>
+    <cs:fillRef idx="0"/>
+    <cs:effectRef idx="0"/>
+    <cs:fontRef idx="minor">
+      <a:schemeClr val="tx1">
+        <a:lumMod val="65000"/>
+        <a:lumOff val="35000"/>
+      </a:schemeClr>
+    </cs:fontRef>
+    <cs:spPr>
+      <a:noFill/>
+      <a:ln w="9525" cap="flat" cmpd="sng" algn="ctr">
+        <a:solidFill>
+          <a:schemeClr val="tx1">
+            <a:lumMod val="15000"/>
+            <a:lumOff val="85000"/>
+          </a:schemeClr>
+        </a:solidFill>
+        <a:round/>
+      </a:ln>
+    </cs:spPr>
+    <cs:defRPr sz="1197" kern="1200"/>
+  </cs:dataTable>
+  <cs:downBar>
+    <cs:lnRef idx="0"/>
+    <cs:fillRef idx="0"/>
+    <cs:effectRef idx="0"/>
+    <cs:fontRef idx="minor">
+      <a:schemeClr val="dk1"/>
+    </cs:fontRef>
+    <cs:spPr>
+      <a:solidFill>
+        <a:schemeClr val="dk1">
+          <a:lumMod val="65000"/>
+          <a:lumOff val="35000"/>
+        </a:schemeClr>
+      </a:solidFill>
+      <a:ln w="9525">
+        <a:solidFill>
+          <a:schemeClr val="tx1">
+            <a:lumMod val="65000"/>
+            <a:lumOff val="35000"/>
+          </a:schemeClr>
+        </a:solidFill>
+      </a:ln>
+    </cs:spPr>
+  </cs:downBar>
+  <cs:dropLine>
+    <cs:lnRef idx="0"/>
+    <cs:fillRef idx="0"/>
+    <cs:effectRef idx="0"/>
+    <cs:fontRef idx="minor">
+      <a:schemeClr val="tx1"/>
+    </cs:fontRef>
+    <cs:spPr>
+      <a:ln w="9525" cap="flat" cmpd="sng" algn="ctr">
+        <a:solidFill>
+          <a:schemeClr val="tx1">
+            <a:lumMod val="35000"/>
+            <a:lumOff val="65000"/>
+          </a:schemeClr>
+        </a:solidFill>
+        <a:round/>
+      </a:ln>
+    </cs:spPr>
+  </cs:dropLine>
+  <cs:errorBar>
+    <cs:lnRef idx="0"/>
+    <cs:fillRef idx="0"/>
+    <cs:effectRef idx="0"/>
+    <cs:fontRef idx="minor">
+      <a:schemeClr val="tx1"/>
+    </cs:fontRef>
+    <cs:spPr>
+      <a:ln w="9525" cap="flat" cmpd="sng" algn="ctr">
+        <a:solidFill>
+          <a:schemeClr val="tx1">
+            <a:lumMod val="65000"/>
+            <a:lumOff val="35000"/>
+          </a:schemeClr>
+        </a:solidFill>
+        <a:round/>
+      </a:ln>
+    </cs:spPr>
+  </cs:errorBar>
+  <cs:floor>
+    <cs:lnRef idx="0"/>
+    <cs:fillRef idx="0"/>
+    <cs:effectRef idx="0"/>
+    <cs:fontRef idx="minor">
+      <a:schemeClr val="tx1"/>
+    </cs:fontRef>
+    <cs:spPr>
+      <a:noFill/>
+      <a:ln>
+        <a:noFill/>
+      </a:ln>
+    </cs:spPr>
+  </cs:floor>
+  <cs:gridlineMajor>
+    <cs:lnRef idx="0"/>
+    <cs:fillRef idx="0"/>
+    <cs:effectRef idx="0"/>
+    <cs:fontRef idx="minor">
+      <a:schemeClr val="tx1"/>
+    </cs:fontRef>
+    <cs:spPr>
+      <a:ln w="9525" cap="flat" cmpd="sng" algn="ctr">
+        <a:solidFill>
+          <a:schemeClr val="tx1">
+            <a:lumMod val="15000"/>
+            <a:lumOff val="85000"/>
+          </a:schemeClr>
+        </a:solidFill>
+        <a:round/>
+      </a:ln>
+    </cs:spPr>
+  </cs:gridlineMajor>
+  <cs:gridlineMinor>
+    <cs:lnRef idx="0"/>
+    <cs:fillRef idx="0"/>
+    <cs:effectRef idx="0"/>
+    <cs:fontRef idx="minor">
+      <a:schemeClr val="tx1"/>
+    </cs:fontRef>
+    <cs:spPr>
+      <a:ln w="9525" cap="flat" cmpd="sng" algn="ctr">
+        <a:solidFill>
+          <a:schemeClr val="tx1">
+            <a:lumMod val="5000"/>
+            <a:lumOff val="95000"/>
+          </a:schemeClr>
+        </a:solidFill>
+        <a:round/>
+      </a:ln>
+    </cs:spPr>
+  </cs:gridlineMinor>
+  <cs:hiLoLine>
+    <cs:lnRef idx="0"/>
+    <cs:fillRef idx="0"/>
+    <cs:effectRef idx="0"/>
+    <cs:fontRef idx="minor">
+      <a:schemeClr val="tx1"/>
+    </cs:fontRef>
+    <cs:spPr>
+      <a:ln w="9525" cap="flat" cmpd="sng" algn="ctr">
+        <a:solidFill>
+          <a:schemeClr val="tx1">
+            <a:lumMod val="75000"/>
+            <a:lumOff val="25000"/>
+          </a:schemeClr>
+        </a:solidFill>
+        <a:round/>
+      </a:ln>
+    </cs:spPr>
+  </cs:hiLoLine>
+  <cs:leaderLine>
+    <cs:lnRef idx="0"/>
+    <cs:fillRef idx="0"/>
+    <cs:effectRef idx="0"/>
+    <cs:fontRef idx="minor">
+      <a:schemeClr val="tx1"/>
+    </cs:fontRef>
+    <cs:spPr>
+      <a:ln w="9525" cap="flat" cmpd="sng" algn="ctr">
+        <a:solidFill>
+          <a:schemeClr val="tx1">
+            <a:lumMod val="35000"/>
+            <a:lumOff val="65000"/>
+          </a:schemeClr>
+        </a:solidFill>
+        <a:round/>
+      </a:ln>
+    </cs:spPr>
+  </cs:leaderLine>
+  <cs:legend>
+    <cs:lnRef idx="0"/>
+    <cs:fillRef idx="0"/>
+    <cs:effectRef idx="0"/>
+    <cs:fontRef idx="minor">
+      <a:schemeClr val="tx1">
+        <a:lumMod val="65000"/>
+        <a:lumOff val="35000"/>
+      </a:schemeClr>
+    </cs:fontRef>
+    <cs:defRPr sz="1197" kern="1200"/>
+  </cs:legend>
+  <cs:plotArea mods="allowNoFillOverride allowNoLineOverride">
+    <cs:lnRef idx="0"/>
+    <cs:fillRef idx="0"/>
+    <cs:effectRef idx="0"/>
+    <cs:fontRef idx="minor">
+      <a:schemeClr val="tx1"/>
+    </cs:fontRef>
+  </cs:plotArea>
+  <cs:plotArea3D mods="allowNoFillOverride allowNoLineOverride">
+    <cs:lnRef idx="0"/>
+    <cs:fillRef idx="0"/>
+    <cs:effectRef idx="0"/>
+    <cs:fontRef idx="minor">
+      <a:schemeClr val="tx1"/>
+    </cs:fontRef>
+  </cs:plotArea3D>
+  <cs:seriesAxis>
+    <cs:lnRef idx="0"/>
+    <cs:fillRef idx="0"/>
+    <cs:effectRef idx="0"/>
+    <cs:fontRef idx="minor">
+      <a:schemeClr val="tx1">
+        <a:lumMod val="65000"/>
+        <a:lumOff val="35000"/>
+      </a:schemeClr>
+    </cs:fontRef>
+    <cs:defRPr sz="1197" kern="1200"/>
+  </cs:seriesAxis>
+  <cs:seriesLine>
+    <cs:lnRef idx="0"/>
+    <cs:fillRef idx="0"/>
+    <cs:effectRef idx="0"/>
+    <cs:fontRef idx="minor">
+      <a:schemeClr val="tx1"/>
+    </cs:fontRef>
+    <cs:spPr>
+      <a:ln w="9525" cap="flat" cmpd="sng" algn="ctr">
+        <a:solidFill>
+          <a:schemeClr val="tx1">
+            <a:lumMod val="35000"/>
+            <a:lumOff val="65000"/>
+          </a:schemeClr>
+        </a:solidFill>
+        <a:round/>
+      </a:ln>
+    </cs:spPr>
+  </cs:seriesLine>
+  <cs:title>
+    <cs:lnRef idx="0"/>
+    <cs:fillRef idx="0"/>
+    <cs:effectRef idx="0"/>
+    <cs:fontRef idx="minor">
+      <a:schemeClr val="tx1">
+        <a:lumMod val="65000"/>
+        <a:lumOff val="35000"/>
+      </a:schemeClr>
+    </cs:fontRef>
+    <cs:defRPr sz="1862" b="0" kern="1200" spc="0" baseline="0"/>
+  </cs:title>
+  <cs:trendline>
+    <cs:lnRef idx="0">
+      <cs:styleClr val="auto"/>
+    </cs:lnRef>
+    <cs:fillRef idx="0"/>
+    <cs:effectRef idx="0"/>
+    <cs:fontRef idx="minor">
+      <a:schemeClr val="tx1"/>
+    </cs:fontRef>
+    <cs:spPr>
+      <a:ln w="19050" cap="rnd">
+        <a:solidFill>
+          <a:schemeClr val="phClr"/>
+        </a:solidFill>
+        <a:prstDash val="sysDot"/>
+      </a:ln>
+    </cs:spPr>
+  </cs:trendline>
+  <cs:trendlineLabel>
+    <cs:lnRef idx="0"/>
+    <cs:fillRef idx="0"/>
+    <cs:effectRef idx="0"/>
+    <cs:fontRef idx="minor">
+      <a:schemeClr val="tx1">
+        <a:lumMod val="65000"/>
+        <a:lumOff val="35000"/>
+      </a:schemeClr>
+    </cs:fontRef>
+    <cs:defRPr sz="1197" kern="1200"/>
+  </cs:trendlineLabel>
+  <cs:upBar>
+    <cs:lnRef idx="0"/>
+    <cs:fillRef idx="0"/>
+    <cs:effectRef idx="0"/>
+    <cs:fontRef idx="minor">
+      <a:schemeClr val="dk1"/>
+    </cs:fontRef>
+    <cs:spPr>
+      <a:solidFill>
+        <a:schemeClr val="lt1"/>
+      </a:solidFill>
+      <a:ln w="9525">
+        <a:solidFill>
+          <a:schemeClr val="tx1">
+            <a:lumMod val="15000"/>
+            <a:lumOff val="85000"/>
+          </a:schemeClr>
+        </a:solidFill>
+      </a:ln>
+    </cs:spPr>
+  </cs:upBar>
+  <cs:valueAxis>
+    <cs:lnRef idx="0"/>
+    <cs:fillRef idx="0"/>
+    <cs:effectRef idx="0"/>
+    <cs:fontRef idx="minor">
+      <a:schemeClr val="tx1">
+        <a:lumMod val="65000"/>
+        <a:lumOff val="35000"/>
+      </a:schemeClr>
+    </cs:fontRef>
+    <cs:defRPr sz="1197" kern="1200"/>
+  </cs:valueAxis>
+  <cs:wall>
+    <cs:lnRef idx="0"/>
+    <cs:fillRef idx="0"/>
+    <cs:effectRef idx="0"/>
+    <cs:fontRef idx="minor">
+      <a:schemeClr val="tx1"/>
+    </cs:fontRef>
+    <cs:spPr>
+      <a:noFill/>
+      <a:ln>
+        <a:noFill/>
+      </a:ln>
+    </cs:spPr>
+  </cs:wall>
+</cs:chartStyle>
+</file>
+
 <file path=ppt/charts/style7.xml><?xml version="1.0" encoding="utf-8"?>
+<cs:chartStyle xmlns:cs="http://schemas.microsoft.com/office/drawing/2012/chartStyle" xmlns:a="http://schemas.openxmlformats.org/drawingml/2006/main" id="201">
+  <cs:axisTitle>
+    <cs:lnRef idx="0"/>
+    <cs:fillRef idx="0"/>
+    <cs:effectRef idx="0"/>
+    <cs:fontRef idx="minor">
+      <a:schemeClr val="tx1">
+        <a:lumMod val="65000"/>
+        <a:lumOff val="35000"/>
+      </a:schemeClr>
+    </cs:fontRef>
+    <cs:defRPr sz="1330" kern="1200"/>
+  </cs:axisTitle>
+  <cs:categoryAxis>
+    <cs:lnRef idx="0"/>
+    <cs:fillRef idx="0"/>
+    <cs:effectRef idx="0"/>
+    <cs:fontRef idx="minor">
+      <a:schemeClr val="tx1">
+        <a:lumMod val="65000"/>
+        <a:lumOff val="35000"/>
+      </a:schemeClr>
+    </cs:fontRef>
+    <cs:spPr>
+      <a:ln w="9525" cap="flat" cmpd="sng" algn="ctr">
+        <a:solidFill>
+          <a:schemeClr val="tx1">
+            <a:lumMod val="15000"/>
+            <a:lumOff val="85000"/>
+          </a:schemeClr>
+        </a:solidFill>
+        <a:round/>
+      </a:ln>
+    </cs:spPr>
+    <cs:defRPr sz="1197" kern="1200"/>
+  </cs:categoryAxis>
+  <cs:chartArea mods="allowNoFillOverride allowNoLineOverride">
+    <cs:lnRef idx="0"/>
+    <cs:fillRef idx="0"/>
+    <cs:effectRef idx="0"/>
+    <cs:fontRef idx="minor">
+      <a:schemeClr val="tx1"/>
+    </cs:fontRef>
+    <cs:spPr>
+      <a:solidFill>
+        <a:schemeClr val="bg1"/>
+      </a:solidFill>
+      <a:ln w="9525" cap="flat" cmpd="sng" algn="ctr">
+        <a:solidFill>
+          <a:schemeClr val="tx1">
+            <a:lumMod val="15000"/>
+            <a:lumOff val="85000"/>
+          </a:schemeClr>
+        </a:solidFill>
+        <a:round/>
+      </a:ln>
+    </cs:spPr>
+    <cs:defRPr sz="1330" kern="1200"/>
+  </cs:chartArea>
+  <cs:dataLabel>
+    <cs:lnRef idx="0"/>
+    <cs:fillRef idx="0"/>
+    <cs:effectRef idx="0"/>
+    <cs:fontRef idx="minor">
+      <a:schemeClr val="tx1">
+        <a:lumMod val="75000"/>
+        <a:lumOff val="25000"/>
+      </a:schemeClr>
+    </cs:fontRef>
+    <cs:defRPr sz="1197" kern="1200"/>
+  </cs:dataLabel>
+  <cs:dataLabelCallout>
+    <cs:lnRef idx="0"/>
+    <cs:fillRef idx="0"/>
+    <cs:effectRef idx="0"/>
+    <cs:fontRef idx="minor">
+      <a:schemeClr val="dk1">
+        <a:lumMod val="65000"/>
+        <a:lumOff val="35000"/>
+      </a:schemeClr>
+    </cs:fontRef>
+    <cs:spPr>
+      <a:solidFill>
+        <a:schemeClr val="lt1"/>
+      </a:solidFill>
+      <a:ln>
+        <a:solidFill>
+          <a:schemeClr val="dk1">
+            <a:lumMod val="25000"/>
+            <a:lumOff val="75000"/>
+          </a:schemeClr>
+        </a:solidFill>
+      </a:ln>
+    </cs:spPr>
+    <cs:defRPr sz="1197" kern="1200"/>
+    <cs:bodyPr rot="0" spcFirstLastPara="1" vertOverflow="clip" horzOverflow="clip" vert="horz" wrap="square" lIns="36576" tIns="18288" rIns="36576" bIns="18288" anchor="ctr" anchorCtr="1">
+      <a:spAutoFit/>
+    </cs:bodyPr>
+  </cs:dataLabelCallout>
+  <cs:dataPoint>
+    <cs:lnRef idx="0"/>
+    <cs:fillRef idx="1">
+      <cs:styleClr val="auto"/>
+    </cs:fillRef>
+    <cs:effectRef idx="0"/>
+    <cs:fontRef idx="minor">
+      <a:schemeClr val="tx1"/>
+    </cs:fontRef>
+  </cs:dataPoint>
+  <cs:dataPoint3D>
+    <cs:lnRef idx="0"/>
+    <cs:fillRef idx="1">
+      <cs:styleClr val="auto"/>
+    </cs:fillRef>
+    <cs:effectRef idx="0"/>
+    <cs:fontRef idx="minor">
+      <a:schemeClr val="tx1"/>
+    </cs:fontRef>
+  </cs:dataPoint3D>
+  <cs:dataPointLine>
+    <cs:lnRef idx="0">
+      <cs:styleClr val="auto"/>
+    </cs:lnRef>
+    <cs:fillRef idx="1"/>
+    <cs:effectRef idx="0"/>
+    <cs:fontRef idx="minor">
+      <a:schemeClr val="tx1"/>
+    </cs:fontRef>
+    <cs:spPr>
+      <a:ln w="28575" cap="rnd">
+        <a:solidFill>
+          <a:schemeClr val="phClr"/>
+        </a:solidFill>
+        <a:round/>
+      </a:ln>
+    </cs:spPr>
+  </cs:dataPointLine>
+  <cs:dataPointMarker>
+    <cs:lnRef idx="0">
+      <cs:styleClr val="auto"/>
+    </cs:lnRef>
+    <cs:fillRef idx="1">
+      <cs:styleClr val="auto"/>
+    </cs:fillRef>
+    <cs:effectRef idx="0"/>
+    <cs:fontRef idx="minor">
+      <a:schemeClr val="tx1"/>
+    </cs:fontRef>
+    <cs:spPr>
+      <a:ln w="9525">
+        <a:solidFill>
+          <a:schemeClr val="phClr"/>
+        </a:solidFill>
+      </a:ln>
+    </cs:spPr>
+  </cs:dataPointMarker>
+  <cs:dataPointMarkerLayout symbol="circle" size="5"/>
+  <cs:dataPointWireframe>
+    <cs:lnRef idx="0">
+      <cs:styleClr val="auto"/>
+    </cs:lnRef>
+    <cs:fillRef idx="1"/>
+    <cs:effectRef idx="0"/>
+    <cs:fontRef idx="minor">
+      <a:schemeClr val="tx1"/>
+    </cs:fontRef>
+    <cs:spPr>
+      <a:ln w="9525" cap="rnd">
+        <a:solidFill>
+          <a:schemeClr val="phClr"/>
+        </a:solidFill>
+        <a:round/>
+      </a:ln>
+    </cs:spPr>
+  </cs:dataPointWireframe>
+  <cs:dataTable>
+    <cs:lnRef idx="0"/>
+    <cs:fillRef idx="0"/>
+    <cs:effectRef idx="0"/>
+    <cs:fontRef idx="minor">
+      <a:schemeClr val="tx1">
+        <a:lumMod val="65000"/>
+        <a:lumOff val="35000"/>
+      </a:schemeClr>
+    </cs:fontRef>
+    <cs:spPr>
+      <a:noFill/>
+      <a:ln w="9525" cap="flat" cmpd="sng" algn="ctr">
+        <a:solidFill>
+          <a:schemeClr val="tx1">
+            <a:lumMod val="15000"/>
+            <a:lumOff val="85000"/>
+          </a:schemeClr>
+        </a:solidFill>
+        <a:round/>
+      </a:ln>
+    </cs:spPr>
+    <cs:defRPr sz="1197" kern="1200"/>
+  </cs:dataTable>
+  <cs:downBar>
+    <cs:lnRef idx="0"/>
+    <cs:fillRef idx="0"/>
+    <cs:effectRef idx="0"/>
+    <cs:fontRef idx="minor">
+      <a:schemeClr val="dk1"/>
+    </cs:fontRef>
+    <cs:spPr>
+      <a:solidFill>
+        <a:schemeClr val="dk1">
+          <a:lumMod val="65000"/>
+          <a:lumOff val="35000"/>
+        </a:schemeClr>
+      </a:solidFill>
+      <a:ln w="9525">
+        <a:solidFill>
+          <a:schemeClr val="tx1">
+            <a:lumMod val="65000"/>
+            <a:lumOff val="35000"/>
+          </a:schemeClr>
+        </a:solidFill>
+      </a:ln>
+    </cs:spPr>
+  </cs:downBar>
+  <cs:dropLine>
+    <cs:lnRef idx="0"/>
+    <cs:fillRef idx="0"/>
+    <cs:effectRef idx="0"/>
+    <cs:fontRef idx="minor">
+      <a:schemeClr val="tx1"/>
+    </cs:fontRef>
+    <cs:spPr>
+      <a:ln w="9525" cap="flat" cmpd="sng" algn="ctr">
+        <a:solidFill>
+          <a:schemeClr val="tx1">
+            <a:lumMod val="35000"/>
+            <a:lumOff val="65000"/>
+          </a:schemeClr>
+        </a:solidFill>
+        <a:round/>
+      </a:ln>
+    </cs:spPr>
+  </cs:dropLine>
+  <cs:errorBar>
+    <cs:lnRef idx="0"/>
+    <cs:fillRef idx="0"/>
+    <cs:effectRef idx="0"/>
+    <cs:fontRef idx="minor">
+      <a:schemeClr val="tx1"/>
+    </cs:fontRef>
+    <cs:spPr>
+      <a:ln w="9525" cap="flat" cmpd="sng" algn="ctr">
+        <a:solidFill>
+          <a:schemeClr val="tx1">
+            <a:lumMod val="65000"/>
+            <a:lumOff val="35000"/>
+          </a:schemeClr>
+        </a:solidFill>
+        <a:round/>
+      </a:ln>
+    </cs:spPr>
+  </cs:errorBar>
+  <cs:floor>
+    <cs:lnRef idx="0"/>
+    <cs:fillRef idx="0"/>
+    <cs:effectRef idx="0"/>
+    <cs:fontRef idx="minor">
+      <a:schemeClr val="tx1"/>
+    </cs:fontRef>
+    <cs:spPr>
+      <a:noFill/>
+      <a:ln>
+        <a:noFill/>
+      </a:ln>
+    </cs:spPr>
+  </cs:floor>
+  <cs:gridlineMajor>
+    <cs:lnRef idx="0"/>
+    <cs:fillRef idx="0"/>
+    <cs:effectRef idx="0"/>
+    <cs:fontRef idx="minor">
+      <a:schemeClr val="tx1"/>
+    </cs:fontRef>
+    <cs:spPr>
+      <a:ln w="9525" cap="flat" cmpd="sng" algn="ctr">
+        <a:solidFill>
+          <a:schemeClr val="tx1">
+            <a:lumMod val="15000"/>
+            <a:lumOff val="85000"/>
+          </a:schemeClr>
+        </a:solidFill>
+        <a:round/>
+      </a:ln>
+    </cs:spPr>
+  </cs:gridlineMajor>
+  <cs:gridlineMinor>
+    <cs:lnRef idx="0"/>
+    <cs:fillRef idx="0"/>
+    <cs:effectRef idx="0"/>
+    <cs:fontRef idx="minor">
+      <a:schemeClr val="tx1"/>
+    </cs:fontRef>
+    <cs:spPr>
+      <a:ln w="9525" cap="flat" cmpd="sng" algn="ctr">
+        <a:solidFill>
+          <a:schemeClr val="tx1">
+            <a:lumMod val="5000"/>
+            <a:lumOff val="95000"/>
+          </a:schemeClr>
+        </a:solidFill>
+        <a:round/>
+      </a:ln>
+    </cs:spPr>
+  </cs:gridlineMinor>
+  <cs:hiLoLine>
+    <cs:lnRef idx="0"/>
+    <cs:fillRef idx="0"/>
+    <cs:effectRef idx="0"/>
+    <cs:fontRef idx="minor">
+      <a:schemeClr val="tx1"/>
+    </cs:fontRef>
+    <cs:spPr>
+      <a:ln w="9525" cap="flat" cmpd="sng" algn="ctr">
+        <a:solidFill>
+          <a:schemeClr val="tx1">
+            <a:lumMod val="75000"/>
+            <a:lumOff val="25000"/>
+          </a:schemeClr>
+        </a:solidFill>
+        <a:round/>
+      </a:ln>
+    </cs:spPr>
+  </cs:hiLoLine>
+  <cs:leaderLine>
+    <cs:lnRef idx="0"/>
+    <cs:fillRef idx="0"/>
+    <cs:effectRef idx="0"/>
+    <cs:fontRef idx="minor">
+      <a:schemeClr val="tx1"/>
+    </cs:fontRef>
+    <cs:spPr>
+      <a:ln w="9525" cap="flat" cmpd="sng" algn="ctr">
+        <a:solidFill>
+          <a:schemeClr val="tx1">
+            <a:lumMod val="35000"/>
+            <a:lumOff val="65000"/>
+          </a:schemeClr>
+        </a:solidFill>
+        <a:round/>
+      </a:ln>
+    </cs:spPr>
+  </cs:leaderLine>
+  <cs:legend>
+    <cs:lnRef idx="0"/>
+    <cs:fillRef idx="0"/>
+    <cs:effectRef idx="0"/>
+    <cs:fontRef idx="minor">
+      <a:schemeClr val="tx1">
+        <a:lumMod val="65000"/>
+        <a:lumOff val="35000"/>
+      </a:schemeClr>
+    </cs:fontRef>
+    <cs:defRPr sz="1197" kern="1200"/>
+  </cs:legend>
+  <cs:plotArea mods="allowNoFillOverride allowNoLineOverride">
+    <cs:lnRef idx="0"/>
+    <cs:fillRef idx="0"/>
+    <cs:effectRef idx="0"/>
+    <cs:fontRef idx="minor">
+      <a:schemeClr val="tx1"/>
+    </cs:fontRef>
+  </cs:plotArea>
+  <cs:plotArea3D mods="allowNoFillOverride allowNoLineOverride">
+    <cs:lnRef idx="0"/>
+    <cs:fillRef idx="0"/>
+    <cs:effectRef idx="0"/>
+    <cs:fontRef idx="minor">
+      <a:schemeClr val="tx1"/>
+    </cs:fontRef>
+  </cs:plotArea3D>
+  <cs:seriesAxis>
+    <cs:lnRef idx="0"/>
+    <cs:fillRef idx="0"/>
+    <cs:effectRef idx="0"/>
+    <cs:fontRef idx="minor">
+      <a:schemeClr val="tx1">
+        <a:lumMod val="65000"/>
+        <a:lumOff val="35000"/>
+      </a:schemeClr>
+    </cs:fontRef>
+    <cs:defRPr sz="1197" kern="1200"/>
+  </cs:seriesAxis>
+  <cs:seriesLine>
+    <cs:lnRef idx="0"/>
+    <cs:fillRef idx="0"/>
+    <cs:effectRef idx="0"/>
+    <cs:fontRef idx="minor">
+      <a:schemeClr val="tx1"/>
+    </cs:fontRef>
+    <cs:spPr>
+      <a:ln w="9525" cap="flat" cmpd="sng" algn="ctr">
+        <a:solidFill>
+          <a:schemeClr val="tx1">
+            <a:lumMod val="35000"/>
+            <a:lumOff val="65000"/>
+          </a:schemeClr>
+        </a:solidFill>
+        <a:round/>
+      </a:ln>
+    </cs:spPr>
+  </cs:seriesLine>
+  <cs:title>
+    <cs:lnRef idx="0"/>
+    <cs:fillRef idx="0"/>
+    <cs:effectRef idx="0"/>
+    <cs:fontRef idx="minor">
+      <a:schemeClr val="tx1">
+        <a:lumMod val="65000"/>
+        <a:lumOff val="35000"/>
+      </a:schemeClr>
+    </cs:fontRef>
+    <cs:defRPr sz="1862" b="0" kern="1200" spc="0" baseline="0"/>
+  </cs:title>
+  <cs:trendline>
+    <cs:lnRef idx="0">
+      <cs:styleClr val="auto"/>
+    </cs:lnRef>
+    <cs:fillRef idx="0"/>
+    <cs:effectRef idx="0"/>
+    <cs:fontRef idx="minor">
+      <a:schemeClr val="tx1"/>
+    </cs:fontRef>
+    <cs:spPr>
+      <a:ln w="19050" cap="rnd">
+        <a:solidFill>
+          <a:schemeClr val="phClr"/>
+        </a:solidFill>
+        <a:prstDash val="sysDot"/>
+      </a:ln>
+    </cs:spPr>
+  </cs:trendline>
+  <cs:trendlineLabel>
+    <cs:lnRef idx="0"/>
+    <cs:fillRef idx="0"/>
+    <cs:effectRef idx="0"/>
+    <cs:fontRef idx="minor">
+      <a:schemeClr val="tx1">
+        <a:lumMod val="65000"/>
+        <a:lumOff val="35000"/>
+      </a:schemeClr>
+    </cs:fontRef>
+    <cs:defRPr sz="1197" kern="1200"/>
+  </cs:trendlineLabel>
+  <cs:upBar>
+    <cs:lnRef idx="0"/>
+    <cs:fillRef idx="0"/>
+    <cs:effectRef idx="0"/>
+    <cs:fontRef idx="minor">
+      <a:schemeClr val="dk1"/>
+    </cs:fontRef>
+    <cs:spPr>
+      <a:solidFill>
+        <a:schemeClr val="lt1"/>
+      </a:solidFill>
+      <a:ln w="9525">
+        <a:solidFill>
+          <a:schemeClr val="tx1">
+            <a:lumMod val="15000"/>
+            <a:lumOff val="85000"/>
+          </a:schemeClr>
+        </a:solidFill>
+      </a:ln>
+    </cs:spPr>
+  </cs:upBar>
+  <cs:valueAxis>
+    <cs:lnRef idx="0"/>
+    <cs:fillRef idx="0"/>
+    <cs:effectRef idx="0"/>
+    <cs:fontRef idx="minor">
+      <a:schemeClr val="tx1">
+        <a:lumMod val="65000"/>
+        <a:lumOff val="35000"/>
+      </a:schemeClr>
+    </cs:fontRef>
+    <cs:defRPr sz="1197" kern="1200"/>
+  </cs:valueAxis>
+  <cs:wall>
+    <cs:lnRef idx="0"/>
+    <cs:fillRef idx="0"/>
+    <cs:effectRef idx="0"/>
+    <cs:fontRef idx="minor">
+      <a:schemeClr val="tx1"/>
+    </cs:fontRef>
+    <cs:spPr>
+      <a:noFill/>
+      <a:ln>
+        <a:noFill/>
+      </a:ln>
+    </cs:spPr>
+  </cs:wall>
+</cs:chartStyle>
+</file>
+
+<file path=ppt/charts/style8.xml><?xml version="1.0" encoding="utf-8"?>
+<cs:chartStyle xmlns:cs="http://schemas.microsoft.com/office/drawing/2012/chartStyle" xmlns:a="http://schemas.openxmlformats.org/drawingml/2006/main" id="201">
+  <cs:axisTitle>
+    <cs:lnRef idx="0"/>
+    <cs:fillRef idx="0"/>
+    <cs:effectRef idx="0"/>
+    <cs:fontRef idx="minor">
+      <a:schemeClr val="tx1">
+        <a:lumMod val="65000"/>
+        <a:lumOff val="35000"/>
+      </a:schemeClr>
+    </cs:fontRef>
+    <cs:defRPr sz="1330" kern="1200"/>
+  </cs:axisTitle>
+  <cs:categoryAxis>
+    <cs:lnRef idx="0"/>
+    <cs:fillRef idx="0"/>
+    <cs:effectRef idx="0"/>
+    <cs:fontRef idx="minor">
+      <a:schemeClr val="tx1">
+        <a:lumMod val="65000"/>
+        <a:lumOff val="35000"/>
+      </a:schemeClr>
+    </cs:fontRef>
+    <cs:spPr>
+      <a:ln w="9525" cap="flat" cmpd="sng" algn="ctr">
+        <a:solidFill>
+          <a:schemeClr val="tx1">
+            <a:lumMod val="15000"/>
+            <a:lumOff val="85000"/>
+          </a:schemeClr>
+        </a:solidFill>
+        <a:round/>
+      </a:ln>
+    </cs:spPr>
+    <cs:defRPr sz="1197" kern="1200"/>
+  </cs:categoryAxis>
+  <cs:chartArea mods="allowNoFillOverride allowNoLineOverride">
+    <cs:lnRef idx="0"/>
+    <cs:fillRef idx="0"/>
+    <cs:effectRef idx="0"/>
+    <cs:fontRef idx="minor">
+      <a:schemeClr val="tx1"/>
+    </cs:fontRef>
+    <cs:spPr>
+      <a:solidFill>
+        <a:schemeClr val="bg1"/>
+      </a:solidFill>
+      <a:ln w="9525" cap="flat" cmpd="sng" algn="ctr">
+        <a:solidFill>
+          <a:schemeClr val="tx1">
+            <a:lumMod val="15000"/>
+            <a:lumOff val="85000"/>
+          </a:schemeClr>
+        </a:solidFill>
+        <a:round/>
+      </a:ln>
+    </cs:spPr>
+    <cs:defRPr sz="1330" kern="1200"/>
+  </cs:chartArea>
+  <cs:dataLabel>
+    <cs:lnRef idx="0"/>
+    <cs:fillRef idx="0"/>
+    <cs:effectRef idx="0"/>
+    <cs:fontRef idx="minor">
+      <a:schemeClr val="tx1">
+        <a:lumMod val="75000"/>
+        <a:lumOff val="25000"/>
+      </a:schemeClr>
+    </cs:fontRef>
+    <cs:defRPr sz="1197" kern="1200"/>
+  </cs:dataLabel>
+  <cs:dataLabelCallout>
+    <cs:lnRef idx="0"/>
+    <cs:fillRef idx="0"/>
+    <cs:effectRef idx="0"/>
+    <cs:fontRef idx="minor">
+      <a:schemeClr val="dk1">
+        <a:lumMod val="65000"/>
+        <a:lumOff val="35000"/>
+      </a:schemeClr>
+    </cs:fontRef>
+    <cs:spPr>
+      <a:solidFill>
+        <a:schemeClr val="lt1"/>
+      </a:solidFill>
+      <a:ln>
+        <a:solidFill>
+          <a:schemeClr val="dk1">
+            <a:lumMod val="25000"/>
+            <a:lumOff val="75000"/>
+          </a:schemeClr>
+        </a:solidFill>
+      </a:ln>
+    </cs:spPr>
+    <cs:defRPr sz="1197" kern="1200"/>
+    <cs:bodyPr rot="0" spcFirstLastPara="1" vertOverflow="clip" horzOverflow="clip" vert="horz" wrap="square" lIns="36576" tIns="18288" rIns="36576" bIns="18288" anchor="ctr" anchorCtr="1">
+      <a:spAutoFit/>
+    </cs:bodyPr>
+  </cs:dataLabelCallout>
+  <cs:dataPoint>
+    <cs:lnRef idx="0"/>
+    <cs:fillRef idx="1">
+      <cs:styleClr val="auto"/>
+    </cs:fillRef>
+    <cs:effectRef idx="0"/>
+    <cs:fontRef idx="minor">
+      <a:schemeClr val="tx1"/>
+    </cs:fontRef>
+  </cs:dataPoint>
+  <cs:dataPoint3D>
+    <cs:lnRef idx="0"/>
+    <cs:fillRef idx="1">
+      <cs:styleClr val="auto"/>
+    </cs:fillRef>
+    <cs:effectRef idx="0"/>
+    <cs:fontRef idx="minor">
+      <a:schemeClr val="tx1"/>
+    </cs:fontRef>
+  </cs:dataPoint3D>
+  <cs:dataPointLine>
+    <cs:lnRef idx="0">
+      <cs:styleClr val="auto"/>
+    </cs:lnRef>
+    <cs:fillRef idx="1"/>
+    <cs:effectRef idx="0"/>
+    <cs:fontRef idx="minor">
+      <a:schemeClr val="tx1"/>
+    </cs:fontRef>
+    <cs:spPr>
+      <a:ln w="28575" cap="rnd">
+        <a:solidFill>
+          <a:schemeClr val="phClr"/>
+        </a:solidFill>
+        <a:round/>
+      </a:ln>
+    </cs:spPr>
+  </cs:dataPointLine>
+  <cs:dataPointMarker>
+    <cs:lnRef idx="0">
+      <cs:styleClr val="auto"/>
+    </cs:lnRef>
+    <cs:fillRef idx="1">
+      <cs:styleClr val="auto"/>
+    </cs:fillRef>
+    <cs:effectRef idx="0"/>
+    <cs:fontRef idx="minor">
+      <a:schemeClr val="tx1"/>
+    </cs:fontRef>
+    <cs:spPr>
+      <a:ln w="9525">
+        <a:solidFill>
+          <a:schemeClr val="phClr"/>
+        </a:solidFill>
+      </a:ln>
+    </cs:spPr>
+  </cs:dataPointMarker>
+  <cs:dataPointMarkerLayout symbol="circle" size="5"/>
+  <cs:dataPointWireframe>
+    <cs:lnRef idx="0">
+      <cs:styleClr val="auto"/>
+    </cs:lnRef>
+    <cs:fillRef idx="1"/>
+    <cs:effectRef idx="0"/>
+    <cs:fontRef idx="minor">
+      <a:schemeClr val="tx1"/>
+    </cs:fontRef>
+    <cs:spPr>
+      <a:ln w="9525" cap="rnd">
+        <a:solidFill>
+          <a:schemeClr val="phClr"/>
+        </a:solidFill>
+        <a:round/>
+      </a:ln>
+    </cs:spPr>
+  </cs:dataPointWireframe>
+  <cs:dataTable>
+    <cs:lnRef idx="0"/>
+    <cs:fillRef idx="0"/>
+    <cs:effectRef idx="0"/>
+    <cs:fontRef idx="minor">
+      <a:schemeClr val="tx1">
+        <a:lumMod val="65000"/>
+        <a:lumOff val="35000"/>
+      </a:schemeClr>
+    </cs:fontRef>
+    <cs:spPr>
+      <a:noFill/>
+      <a:ln w="9525" cap="flat" cmpd="sng" algn="ctr">
+        <a:solidFill>
+          <a:schemeClr val="tx1">
+            <a:lumMod val="15000"/>
+            <a:lumOff val="85000"/>
+          </a:schemeClr>
+        </a:solidFill>
+        <a:round/>
+      </a:ln>
+    </cs:spPr>
+    <cs:defRPr sz="1197" kern="1200"/>
+  </cs:dataTable>
+  <cs:downBar>
+    <cs:lnRef idx="0"/>
+    <cs:fillRef idx="0"/>
+    <cs:effectRef idx="0"/>
+    <cs:fontRef idx="minor">
+      <a:schemeClr val="dk1"/>
+    </cs:fontRef>
+    <cs:spPr>
+      <a:solidFill>
+        <a:schemeClr val="dk1">
+          <a:lumMod val="65000"/>
+          <a:lumOff val="35000"/>
+        </a:schemeClr>
+      </a:solidFill>
+      <a:ln w="9525">
+        <a:solidFill>
+          <a:schemeClr val="tx1">
+            <a:lumMod val="65000"/>
+            <a:lumOff val="35000"/>
+          </a:schemeClr>
+        </a:solidFill>
+      </a:ln>
+    </cs:spPr>
+  </cs:downBar>
+  <cs:dropLine>
+    <cs:lnRef idx="0"/>
+    <cs:fillRef idx="0"/>
+    <cs:effectRef idx="0"/>
+    <cs:fontRef idx="minor">
+      <a:schemeClr val="tx1"/>
+    </cs:fontRef>
+    <cs:spPr>
+      <a:ln w="9525" cap="flat" cmpd="sng" algn="ctr">
+        <a:solidFill>
+          <a:schemeClr val="tx1">
+            <a:lumMod val="35000"/>
+            <a:lumOff val="65000"/>
+          </a:schemeClr>
+        </a:solidFill>
+        <a:round/>
+      </a:ln>
+    </cs:spPr>
+  </cs:dropLine>
+  <cs:errorBar>
+    <cs:lnRef idx="0"/>
+    <cs:fillRef idx="0"/>
+    <cs:effectRef idx="0"/>
+    <cs:fontRef idx="minor">
+      <a:schemeClr val="tx1"/>
+    </cs:fontRef>
+    <cs:spPr>
+      <a:ln w="9525" cap="flat" cmpd="sng" algn="ctr">
+        <a:solidFill>
+          <a:schemeClr val="tx1">
+            <a:lumMod val="65000"/>
+            <a:lumOff val="35000"/>
+          </a:schemeClr>
+        </a:solidFill>
+        <a:round/>
+      </a:ln>
+    </cs:spPr>
+  </cs:errorBar>
+  <cs:floor>
+    <cs:lnRef idx="0"/>
+    <cs:fillRef idx="0"/>
+    <cs:effectRef idx="0"/>
+    <cs:fontRef idx="minor">
+      <a:schemeClr val="tx1"/>
+    </cs:fontRef>
+    <cs:spPr>
+      <a:noFill/>
+      <a:ln>
+        <a:noFill/>
+      </a:ln>
+    </cs:spPr>
+  </cs:floor>
+  <cs:gridlineMajor>
+    <cs:lnRef idx="0"/>
+    <cs:fillRef idx="0"/>
+    <cs:effectRef idx="0"/>
+    <cs:fontRef idx="minor">
+      <a:schemeClr val="tx1"/>
+    </cs:fontRef>
+    <cs:spPr>
+      <a:ln w="9525" cap="flat" cmpd="sng" algn="ctr">
+        <a:solidFill>
+          <a:schemeClr val="tx1">
+            <a:lumMod val="15000"/>
+            <a:lumOff val="85000"/>
+          </a:schemeClr>
+        </a:solidFill>
+        <a:round/>
+      </a:ln>
+    </cs:spPr>
+  </cs:gridlineMajor>
+  <cs:gridlineMinor>
+    <cs:lnRef idx="0"/>
+    <cs:fillRef idx="0"/>
+    <cs:effectRef idx="0"/>
+    <cs:fontRef idx="minor">
+      <a:schemeClr val="tx1"/>
+    </cs:fontRef>
+    <cs:spPr>
+      <a:ln w="9525" cap="flat" cmpd="sng" algn="ctr">
+        <a:solidFill>
+          <a:schemeClr val="tx1">
+            <a:lumMod val="5000"/>
+            <a:lumOff val="95000"/>
+          </a:schemeClr>
+        </a:solidFill>
+        <a:round/>
+      </a:ln>
+    </cs:spPr>
+  </cs:gridlineMinor>
+  <cs:hiLoLine>
+    <cs:lnRef idx="0"/>
+    <cs:fillRef idx="0"/>
+    <cs:effectRef idx="0"/>
+    <cs:fontRef idx="minor">
+      <a:schemeClr val="tx1"/>
+    </cs:fontRef>
+    <cs:spPr>
+      <a:ln w="9525" cap="flat" cmpd="sng" algn="ctr">
+        <a:solidFill>
+          <a:schemeClr val="tx1">
+            <a:lumMod val="75000"/>
+            <a:lumOff val="25000"/>
+          </a:schemeClr>
+        </a:solidFill>
+        <a:round/>
+      </a:ln>
+    </cs:spPr>
+  </cs:hiLoLine>
+  <cs:leaderLine>
+    <cs:lnRef idx="0"/>
+    <cs:fillRef idx="0"/>
+    <cs:effectRef idx="0"/>
+    <cs:fontRef idx="minor">
+      <a:schemeClr val="tx1"/>
+    </cs:fontRef>
+    <cs:spPr>
+      <a:ln w="9525" cap="flat" cmpd="sng" algn="ctr">
+        <a:solidFill>
+          <a:schemeClr val="tx1">
+            <a:lumMod val="35000"/>
+            <a:lumOff val="65000"/>
+          </a:schemeClr>
+        </a:solidFill>
+        <a:round/>
+      </a:ln>
+    </cs:spPr>
+  </cs:leaderLine>
+  <cs:legend>
+    <cs:lnRef idx="0"/>
+    <cs:fillRef idx="0"/>
+    <cs:effectRef idx="0"/>
+    <cs:fontRef idx="minor">
+      <a:schemeClr val="tx1">
+        <a:lumMod val="65000"/>
+        <a:lumOff val="35000"/>
+      </a:schemeClr>
+    </cs:fontRef>
+    <cs:defRPr sz="1197" kern="1200"/>
+  </cs:legend>
+  <cs:plotArea mods="allowNoFillOverride allowNoLineOverride">
+    <cs:lnRef idx="0"/>
+    <cs:fillRef idx="0"/>
+    <cs:effectRef idx="0"/>
+    <cs:fontRef idx="minor">
+      <a:schemeClr val="tx1"/>
+    </cs:fontRef>
+  </cs:plotArea>
+  <cs:plotArea3D mods="allowNoFillOverride allowNoLineOverride">
+    <cs:lnRef idx="0"/>
+    <cs:fillRef idx="0"/>
+    <cs:effectRef idx="0"/>
+    <cs:fontRef idx="minor">
+      <a:schemeClr val="tx1"/>
+    </cs:fontRef>
+  </cs:plotArea3D>
+  <cs:seriesAxis>
+    <cs:lnRef idx="0"/>
+    <cs:fillRef idx="0"/>
+    <cs:effectRef idx="0"/>
+    <cs:fontRef idx="minor">
+      <a:schemeClr val="tx1">
+        <a:lumMod val="65000"/>
+        <a:lumOff val="35000"/>
+      </a:schemeClr>
+    </cs:fontRef>
+    <cs:defRPr sz="1197" kern="1200"/>
+  </cs:seriesAxis>
+  <cs:seriesLine>
+    <cs:lnRef idx="0"/>
+    <cs:fillRef idx="0"/>
+    <cs:effectRef idx="0"/>
+    <cs:fontRef idx="minor">
+      <a:schemeClr val="tx1"/>
+    </cs:fontRef>
+    <cs:spPr>
+      <a:ln w="9525" cap="flat" cmpd="sng" algn="ctr">
+        <a:solidFill>
+          <a:schemeClr val="tx1">
+            <a:lumMod val="35000"/>
+            <a:lumOff val="65000"/>
+          </a:schemeClr>
+        </a:solidFill>
+        <a:round/>
+      </a:ln>
+    </cs:spPr>
+  </cs:seriesLine>
+  <cs:title>
+    <cs:lnRef idx="0"/>
+    <cs:fillRef idx="0"/>
+    <cs:effectRef idx="0"/>
+    <cs:fontRef idx="minor">
+      <a:schemeClr val="tx1">
+        <a:lumMod val="65000"/>
+        <a:lumOff val="35000"/>
+      </a:schemeClr>
+    </cs:fontRef>
+    <cs:defRPr sz="1862" b="0" kern="1200" spc="0" baseline="0"/>
+  </cs:title>
+  <cs:trendline>
+    <cs:lnRef idx="0">
+      <cs:styleClr val="auto"/>
+    </cs:lnRef>
+    <cs:fillRef idx="0"/>
+    <cs:effectRef idx="0"/>
+    <cs:fontRef idx="minor">
+      <a:schemeClr val="tx1"/>
+    </cs:fontRef>
+    <cs:spPr>
+      <a:ln w="19050" cap="rnd">
+        <a:solidFill>
+          <a:schemeClr val="phClr"/>
+        </a:solidFill>
+        <a:prstDash val="sysDot"/>
+      </a:ln>
+    </cs:spPr>
+  </cs:trendline>
+  <cs:trendlineLabel>
+    <cs:lnRef idx="0"/>
+    <cs:fillRef idx="0"/>
+    <cs:effectRef idx="0"/>
+    <cs:fontRef idx="minor">
+      <a:schemeClr val="tx1">
+        <a:lumMod val="65000"/>
+        <a:lumOff val="35000"/>
+      </a:schemeClr>
+    </cs:fontRef>
+    <cs:defRPr sz="1197" kern="1200"/>
+  </cs:trendlineLabel>
+  <cs:upBar>
+    <cs:lnRef idx="0"/>
+    <cs:fillRef idx="0"/>
+    <cs:effectRef idx="0"/>
+    <cs:fontRef idx="minor">
+      <a:schemeClr val="dk1"/>
+    </cs:fontRef>
+    <cs:spPr>
+      <a:solidFill>
+        <a:schemeClr val="lt1"/>
+      </a:solidFill>
+      <a:ln w="9525">
+        <a:solidFill>
+          <a:schemeClr val="tx1">
+            <a:lumMod val="15000"/>
+            <a:lumOff val="85000"/>
+          </a:schemeClr>
+        </a:solidFill>
+      </a:ln>
+    </cs:spPr>
+  </cs:upBar>
+  <cs:valueAxis>
+    <cs:lnRef idx="0"/>
+    <cs:fillRef idx="0"/>
+    <cs:effectRef idx="0"/>
+    <cs:fontRef idx="minor">
+      <a:schemeClr val="tx1">
+        <a:lumMod val="65000"/>
+        <a:lumOff val="35000"/>
+      </a:schemeClr>
+    </cs:fontRef>
+    <cs:defRPr sz="1197" kern="1200"/>
+  </cs:valueAxis>
+  <cs:wall>
+    <cs:lnRef idx="0"/>
+    <cs:fillRef idx="0"/>
+    <cs:effectRef idx="0"/>
+    <cs:fontRef idx="minor">
+      <a:schemeClr val="tx1"/>
+    </cs:fontRef>
+    <cs:spPr>
+      <a:noFill/>
+      <a:ln>
+        <a:noFill/>
+      </a:ln>
+    </cs:spPr>
+  </cs:wall>
+</cs:chartStyle>
+</file>
+
+<file path=ppt/charts/style9.xml><?xml version="1.0" encoding="utf-8"?>
 <cs:chartStyle xmlns:cs="http://schemas.microsoft.com/office/drawing/2012/chartStyle" xmlns:a="http://schemas.openxmlformats.org/drawingml/2006/main" id="201">
   <cs:axisTitle>
     <cs:lnRef idx="0"/>
@@ -19944,6 +23212,273 @@
           <p:cNvPr id="2" name="Título 1">
             <a:extLst>
               <a:ext uri="{FF2B5EF4-FFF2-40B4-BE49-F238E27FC236}">
+                <a16:creationId xmlns:a16="http://schemas.microsoft.com/office/drawing/2014/main" id="{3DE7BF5E-9CE8-42BC-8262-76128B2AF55A}"/>
+              </a:ext>
+            </a:extLst>
+          </p:cNvPr>
+          <p:cNvSpPr>
+            <a:spLocks noGrp="1"/>
+          </p:cNvSpPr>
+          <p:nvPr>
+            <p:ph type="title"/>
+          </p:nvPr>
+        </p:nvSpPr>
+        <p:spPr/>
+        <p:txBody>
+          <a:bodyPr/>
+          <a:lstStyle/>
+          <a:p>
+            <a:r>
+              <a:rPr lang="pt-BR" dirty="0"/>
+              <a:t>Consulta 8(Aleatória)</a:t>
+            </a:r>
+          </a:p>
+        </p:txBody>
+      </p:sp>
+      <p:graphicFrame>
+        <p:nvGraphicFramePr>
+          <p:cNvPr id="6" name="Espaço Reservado para Conteúdo 5">
+            <a:extLst>
+              <a:ext uri="{FF2B5EF4-FFF2-40B4-BE49-F238E27FC236}">
+                <a16:creationId xmlns:a16="http://schemas.microsoft.com/office/drawing/2014/main" id="{1EB38867-93FF-4360-AE0C-AA1264AE1451}"/>
+              </a:ext>
+            </a:extLst>
+          </p:cNvPr>
+          <p:cNvGraphicFramePr>
+            <a:graphicFrameLocks noGrp="1"/>
+          </p:cNvGraphicFramePr>
+          <p:nvPr>
+            <p:ph idx="1"/>
+            <p:extLst>
+              <p:ext uri="{D42A27DB-BD31-4B8C-83A1-F6EECF244321}">
+                <p14:modId xmlns:p14="http://schemas.microsoft.com/office/powerpoint/2010/main" val="2136596829"/>
+              </p:ext>
+            </p:extLst>
+          </p:nvPr>
+        </p:nvGraphicFramePr>
+        <p:xfrm>
+          <a:off x="3082031" y="2213977"/>
+          <a:ext cx="6027938" cy="3876104"/>
+        </p:xfrm>
+        <a:graphic>
+          <a:graphicData uri="http://schemas.openxmlformats.org/drawingml/2006/chart">
+            <c:chart xmlns:c="http://schemas.openxmlformats.org/drawingml/2006/chart" xmlns:r="http://schemas.openxmlformats.org/officeDocument/2006/relationships" r:id="rId2"/>
+          </a:graphicData>
+        </a:graphic>
+      </p:graphicFrame>
+    </p:spTree>
+    <p:extLst>
+      <p:ext uri="{BB962C8B-B14F-4D97-AF65-F5344CB8AC3E}">
+        <p14:creationId xmlns:p14="http://schemas.microsoft.com/office/powerpoint/2010/main" val="841273106"/>
+      </p:ext>
+    </p:extLst>
+  </p:cSld>
+  <p:clrMapOvr>
+    <a:masterClrMapping/>
+  </p:clrMapOvr>
+</p:sld>
+</file>
+
+<file path=ppt/slides/slide11.xml><?xml version="1.0" encoding="utf-8"?>
+<p:sld xmlns:a="http://schemas.openxmlformats.org/drawingml/2006/main" xmlns:r="http://schemas.openxmlformats.org/officeDocument/2006/relationships" xmlns:p="http://schemas.openxmlformats.org/presentationml/2006/main">
+  <p:cSld>
+    <p:spTree>
+      <p:nvGrpSpPr>
+        <p:cNvPr id="1" name=""/>
+        <p:cNvGrpSpPr/>
+        <p:nvPr/>
+      </p:nvGrpSpPr>
+      <p:grpSpPr>
+        <a:xfrm>
+          <a:off x="0" y="0"/>
+          <a:ext cx="0" cy="0"/>
+          <a:chOff x="0" y="0"/>
+          <a:chExt cx="0" cy="0"/>
+        </a:xfrm>
+      </p:grpSpPr>
+      <p:sp>
+        <p:nvSpPr>
+          <p:cNvPr id="2" name="Título 1">
+            <a:extLst>
+              <a:ext uri="{FF2B5EF4-FFF2-40B4-BE49-F238E27FC236}">
+                <a16:creationId xmlns:a16="http://schemas.microsoft.com/office/drawing/2014/main" id="{3DE7BF5E-9CE8-42BC-8262-76128B2AF55A}"/>
+              </a:ext>
+            </a:extLst>
+          </p:cNvPr>
+          <p:cNvSpPr>
+            <a:spLocks noGrp="1"/>
+          </p:cNvSpPr>
+          <p:nvPr>
+            <p:ph type="title"/>
+          </p:nvPr>
+        </p:nvSpPr>
+        <p:spPr/>
+        <p:txBody>
+          <a:bodyPr/>
+          <a:lstStyle/>
+          <a:p>
+            <a:r>
+              <a:rPr lang="pt-BR" dirty="0"/>
+              <a:t>Consulta 9(Aleatória)</a:t>
+            </a:r>
+          </a:p>
+        </p:txBody>
+      </p:sp>
+      <p:graphicFrame>
+        <p:nvGraphicFramePr>
+          <p:cNvPr id="6" name="Espaço Reservado para Conteúdo 5">
+            <a:extLst>
+              <a:ext uri="{FF2B5EF4-FFF2-40B4-BE49-F238E27FC236}">
+                <a16:creationId xmlns:a16="http://schemas.microsoft.com/office/drawing/2014/main" id="{1EB38867-93FF-4360-AE0C-AA1264AE1451}"/>
+              </a:ext>
+            </a:extLst>
+          </p:cNvPr>
+          <p:cNvGraphicFramePr>
+            <a:graphicFrameLocks noGrp="1"/>
+          </p:cNvGraphicFramePr>
+          <p:nvPr>
+            <p:ph idx="1"/>
+            <p:extLst>
+              <p:ext uri="{D42A27DB-BD31-4B8C-83A1-F6EECF244321}">
+                <p14:modId xmlns:p14="http://schemas.microsoft.com/office/powerpoint/2010/main" val="2729573334"/>
+              </p:ext>
+            </p:extLst>
+          </p:nvPr>
+        </p:nvGraphicFramePr>
+        <p:xfrm>
+          <a:off x="3082031" y="2213977"/>
+          <a:ext cx="6027938" cy="3876104"/>
+        </p:xfrm>
+        <a:graphic>
+          <a:graphicData uri="http://schemas.openxmlformats.org/drawingml/2006/chart">
+            <c:chart xmlns:c="http://schemas.openxmlformats.org/drawingml/2006/chart" xmlns:r="http://schemas.openxmlformats.org/officeDocument/2006/relationships" r:id="rId2"/>
+          </a:graphicData>
+        </a:graphic>
+      </p:graphicFrame>
+    </p:spTree>
+    <p:extLst>
+      <p:ext uri="{BB962C8B-B14F-4D97-AF65-F5344CB8AC3E}">
+        <p14:creationId xmlns:p14="http://schemas.microsoft.com/office/powerpoint/2010/main" val="2253471061"/>
+      </p:ext>
+    </p:extLst>
+  </p:cSld>
+  <p:clrMapOvr>
+    <a:masterClrMapping/>
+  </p:clrMapOvr>
+</p:sld>
+</file>
+
+<file path=ppt/slides/slide12.xml><?xml version="1.0" encoding="utf-8"?>
+<p:sld xmlns:a="http://schemas.openxmlformats.org/drawingml/2006/main" xmlns:r="http://schemas.openxmlformats.org/officeDocument/2006/relationships" xmlns:p="http://schemas.openxmlformats.org/presentationml/2006/main">
+  <p:cSld>
+    <p:spTree>
+      <p:nvGrpSpPr>
+        <p:cNvPr id="1" name=""/>
+        <p:cNvGrpSpPr/>
+        <p:nvPr/>
+      </p:nvGrpSpPr>
+      <p:grpSpPr>
+        <a:xfrm>
+          <a:off x="0" y="0"/>
+          <a:ext cx="0" cy="0"/>
+          <a:chOff x="0" y="0"/>
+          <a:chExt cx="0" cy="0"/>
+        </a:xfrm>
+      </p:grpSpPr>
+      <p:sp>
+        <p:nvSpPr>
+          <p:cNvPr id="2" name="Título 1">
+            <a:extLst>
+              <a:ext uri="{FF2B5EF4-FFF2-40B4-BE49-F238E27FC236}">
+                <a16:creationId xmlns:a16="http://schemas.microsoft.com/office/drawing/2014/main" id="{3DE7BF5E-9CE8-42BC-8262-76128B2AF55A}"/>
+              </a:ext>
+            </a:extLst>
+          </p:cNvPr>
+          <p:cNvSpPr>
+            <a:spLocks noGrp="1"/>
+          </p:cNvSpPr>
+          <p:nvPr>
+            <p:ph type="title"/>
+          </p:nvPr>
+        </p:nvSpPr>
+        <p:spPr/>
+        <p:txBody>
+          <a:bodyPr/>
+          <a:lstStyle/>
+          <a:p>
+            <a:r>
+              <a:rPr lang="pt-BR" dirty="0"/>
+              <a:t>Consulta 10(Aleatória)</a:t>
+            </a:r>
+          </a:p>
+        </p:txBody>
+      </p:sp>
+      <p:graphicFrame>
+        <p:nvGraphicFramePr>
+          <p:cNvPr id="6" name="Espaço Reservado para Conteúdo 5">
+            <a:extLst>
+              <a:ext uri="{FF2B5EF4-FFF2-40B4-BE49-F238E27FC236}">
+                <a16:creationId xmlns:a16="http://schemas.microsoft.com/office/drawing/2014/main" id="{1EB38867-93FF-4360-AE0C-AA1264AE1451}"/>
+              </a:ext>
+            </a:extLst>
+          </p:cNvPr>
+          <p:cNvGraphicFramePr>
+            <a:graphicFrameLocks noGrp="1"/>
+          </p:cNvGraphicFramePr>
+          <p:nvPr>
+            <p:ph idx="1"/>
+            <p:extLst>
+              <p:ext uri="{D42A27DB-BD31-4B8C-83A1-F6EECF244321}">
+                <p14:modId xmlns:p14="http://schemas.microsoft.com/office/powerpoint/2010/main" val="3178988793"/>
+              </p:ext>
+            </p:extLst>
+          </p:nvPr>
+        </p:nvGraphicFramePr>
+        <p:xfrm>
+          <a:off x="3082031" y="2213977"/>
+          <a:ext cx="6027938" cy="3876104"/>
+        </p:xfrm>
+        <a:graphic>
+          <a:graphicData uri="http://schemas.openxmlformats.org/drawingml/2006/chart">
+            <c:chart xmlns:c="http://schemas.openxmlformats.org/drawingml/2006/chart" xmlns:r="http://schemas.openxmlformats.org/officeDocument/2006/relationships" r:id="rId2"/>
+          </a:graphicData>
+        </a:graphic>
+      </p:graphicFrame>
+    </p:spTree>
+    <p:extLst>
+      <p:ext uri="{BB962C8B-B14F-4D97-AF65-F5344CB8AC3E}">
+        <p14:creationId xmlns:p14="http://schemas.microsoft.com/office/powerpoint/2010/main" val="736220390"/>
+      </p:ext>
+    </p:extLst>
+  </p:cSld>
+  <p:clrMapOvr>
+    <a:masterClrMapping/>
+  </p:clrMapOvr>
+</p:sld>
+</file>
+
+<file path=ppt/slides/slide13.xml><?xml version="1.0" encoding="utf-8"?>
+<p:sld xmlns:a="http://schemas.openxmlformats.org/drawingml/2006/main" xmlns:r="http://schemas.openxmlformats.org/officeDocument/2006/relationships" xmlns:p="http://schemas.openxmlformats.org/presentationml/2006/main">
+  <p:cSld>
+    <p:spTree>
+      <p:nvGrpSpPr>
+        <p:cNvPr id="1" name=""/>
+        <p:cNvGrpSpPr/>
+        <p:nvPr/>
+      </p:nvGrpSpPr>
+      <p:grpSpPr>
+        <a:xfrm>
+          <a:off x="0" y="0"/>
+          <a:ext cx="0" cy="0"/>
+          <a:chOff x="0" y="0"/>
+          <a:chExt cx="0" cy="0"/>
+        </a:xfrm>
+      </p:grpSpPr>
+      <p:sp>
+        <p:nvSpPr>
+          <p:cNvPr id="2" name="Título 1">
+            <a:extLst>
+              <a:ext uri="{FF2B5EF4-FFF2-40B4-BE49-F238E27FC236}">
                 <a16:creationId xmlns:a16="http://schemas.microsoft.com/office/drawing/2014/main" id="{5436BCC6-4660-4518-BAB5-E5A825616571}"/>
               </a:ext>
             </a:extLst>
@@ -20014,7 +23549,7 @@
 </p:sld>
 </file>
 
-<file path=ppt/slides/slide11.xml><?xml version="1.0" encoding="utf-8"?>
+<file path=ppt/slides/slide14.xml><?xml version="1.0" encoding="utf-8"?>
 <p:sld xmlns:a="http://schemas.openxmlformats.org/drawingml/2006/main" xmlns:r="http://schemas.openxmlformats.org/officeDocument/2006/relationships" xmlns:p="http://schemas.openxmlformats.org/presentationml/2006/main">
   <p:cSld>
     <p:spTree>
@@ -20052,16 +23587,125 @@
           <a:bodyPr/>
           <a:lstStyle/>
           <a:p>
-            <a:endParaRPr lang="pt-BR" dirty="0"/>
+            <a:r>
+              <a:rPr lang="pt-BR" i="1" dirty="0" err="1"/>
+              <a:t>public</a:t>
+            </a:r>
+            <a:r>
+              <a:rPr lang="pt-BR" i="1" dirty="0"/>
+              <a:t> </a:t>
+            </a:r>
+            <a:r>
+              <a:rPr lang="pt-BR" i="1" dirty="0" err="1"/>
+              <a:t>class</a:t>
+            </a:r>
+            <a:r>
+              <a:rPr lang="pt-BR" i="1" dirty="0"/>
+              <a:t> </a:t>
+            </a:r>
+            <a:r>
+              <a:rPr lang="pt-BR" i="1" dirty="0" err="1"/>
+              <a:t>CsvFileWriter</a:t>
+            </a:r>
+            <a:endParaRPr lang="pt-BR" i="1" dirty="0"/>
           </a:p>
         </p:txBody>
       </p:sp>
+      <p:pic>
+        <p:nvPicPr>
+          <p:cNvPr id="5" name="Espaço Reservado para Conteúdo 4">
+            <a:extLst>
+              <a:ext uri="{FF2B5EF4-FFF2-40B4-BE49-F238E27FC236}">
+                <a16:creationId xmlns:a16="http://schemas.microsoft.com/office/drawing/2014/main" id="{B94284B9-D269-4C2C-A013-D168BB2B3D1C}"/>
+              </a:ext>
+            </a:extLst>
+          </p:cNvPr>
+          <p:cNvPicPr>
+            <a:picLocks noGrp="1" noChangeAspect="1"/>
+          </p:cNvPicPr>
+          <p:nvPr>
+            <p:ph idx="1"/>
+          </p:nvPr>
+        </p:nvPicPr>
+        <p:blipFill>
+          <a:blip r:embed="rId2"/>
+          <a:stretch>
+            <a:fillRect/>
+          </a:stretch>
+        </p:blipFill>
+        <p:spPr>
+          <a:xfrm>
+            <a:off x="1211731" y="2319058"/>
+            <a:ext cx="4833958" cy="3491191"/>
+          </a:xfrm>
+        </p:spPr>
+      </p:pic>
+      <p:pic>
+        <p:nvPicPr>
+          <p:cNvPr id="7" name="Imagem 6">
+            <a:extLst>
+              <a:ext uri="{FF2B5EF4-FFF2-40B4-BE49-F238E27FC236}">
+                <a16:creationId xmlns:a16="http://schemas.microsoft.com/office/drawing/2014/main" id="{865B19A0-0DF4-4185-9447-E1D89310B741}"/>
+              </a:ext>
+            </a:extLst>
+          </p:cNvPr>
+          <p:cNvPicPr>
+            <a:picLocks noChangeAspect="1"/>
+          </p:cNvPicPr>
+          <p:nvPr/>
+        </p:nvPicPr>
+        <p:blipFill>
+          <a:blip r:embed="rId3"/>
+          <a:stretch>
+            <a:fillRect/>
+          </a:stretch>
+        </p:blipFill>
+        <p:spPr>
+          <a:xfrm>
+            <a:off x="6219257" y="2319058"/>
+            <a:ext cx="5204884" cy="3491190"/>
+          </a:xfrm>
+          <a:prstGeom prst="rect">
+            <a:avLst/>
+          </a:prstGeom>
+        </p:spPr>
+      </p:pic>
+    </p:spTree>
+    <p:extLst>
+      <p:ext uri="{BB962C8B-B14F-4D97-AF65-F5344CB8AC3E}">
+        <p14:creationId xmlns:p14="http://schemas.microsoft.com/office/powerpoint/2010/main" val="4100428060"/>
+      </p:ext>
+    </p:extLst>
+  </p:cSld>
+  <p:clrMapOvr>
+    <a:masterClrMapping/>
+  </p:clrMapOvr>
+</p:sld>
+</file>
+
+<file path=ppt/slides/slide15.xml><?xml version="1.0" encoding="utf-8"?>
+<p:sld xmlns:a="http://schemas.openxmlformats.org/drawingml/2006/main" xmlns:r="http://schemas.openxmlformats.org/officeDocument/2006/relationships" xmlns:p="http://schemas.openxmlformats.org/presentationml/2006/main">
+  <p:cSld>
+    <p:spTree>
+      <p:nvGrpSpPr>
+        <p:cNvPr id="1" name=""/>
+        <p:cNvGrpSpPr/>
+        <p:nvPr/>
+      </p:nvGrpSpPr>
+      <p:grpSpPr>
+        <a:xfrm>
+          <a:off x="0" y="0"/>
+          <a:ext cx="0" cy="0"/>
+          <a:chOff x="0" y="0"/>
+          <a:chExt cx="0" cy="0"/>
+        </a:xfrm>
+      </p:grpSpPr>
       <p:sp>
         <p:nvSpPr>
-          <p:cNvPr id="3" name="Espaço Reservado para Conteúdo 2">
+          <p:cNvPr id="2" name="Título 1">
             <a:extLst>
               <a:ext uri="{FF2B5EF4-FFF2-40B4-BE49-F238E27FC236}">
-                <a16:creationId xmlns:a16="http://schemas.microsoft.com/office/drawing/2014/main" id="{BF48E225-041E-47FD-8BD0-15C0986ECE7A}"/>
+                <a16:creationId xmlns:a16="http://schemas.microsoft.com/office/drawing/2014/main" id="{AAA675CB-EBCB-4067-8E5D-4D4AA6A68149}"/>
               </a:ext>
             </a:extLst>
           </p:cNvPr>
@@ -20069,7 +23713,7 @@
             <a:spLocks noGrp="1"/>
           </p:cNvSpPr>
           <p:nvPr>
-            <p:ph idx="1"/>
+            <p:ph type="title"/>
           </p:nvPr>
         </p:nvSpPr>
         <p:spPr/>
@@ -20077,14 +23721,224 @@
           <a:bodyPr/>
           <a:lstStyle/>
           <a:p>
-            <a:endParaRPr lang="pt-BR" dirty="0"/>
+            <a:r>
+              <a:rPr lang="pt-BR" i="1" dirty="0" err="1"/>
+              <a:t>main</a:t>
+            </a:r>
+            <a:endParaRPr lang="pt-BR" i="1" dirty="0"/>
           </a:p>
         </p:txBody>
       </p:sp>
+      <p:pic>
+        <p:nvPicPr>
+          <p:cNvPr id="5" name="Espaço Reservado para Conteúdo 4">
+            <a:extLst>
+              <a:ext uri="{FF2B5EF4-FFF2-40B4-BE49-F238E27FC236}">
+                <a16:creationId xmlns:a16="http://schemas.microsoft.com/office/drawing/2014/main" id="{BEEDF6EE-DEAD-4FD6-9367-35FC94C44881}"/>
+              </a:ext>
+            </a:extLst>
+          </p:cNvPr>
+          <p:cNvPicPr>
+            <a:picLocks noGrp="1" noChangeAspect="1"/>
+          </p:cNvPicPr>
+          <p:nvPr>
+            <p:ph idx="1"/>
+          </p:nvPr>
+        </p:nvPicPr>
+        <p:blipFill>
+          <a:blip r:embed="rId2"/>
+          <a:stretch>
+            <a:fillRect/>
+          </a:stretch>
+        </p:blipFill>
+        <p:spPr>
+          <a:xfrm>
+            <a:off x="2426313" y="2953289"/>
+            <a:ext cx="7339374" cy="1345759"/>
+          </a:xfrm>
+        </p:spPr>
+      </p:pic>
     </p:spTree>
     <p:extLst>
       <p:ext uri="{BB962C8B-B14F-4D97-AF65-F5344CB8AC3E}">
-        <p14:creationId xmlns:p14="http://schemas.microsoft.com/office/powerpoint/2010/main" val="4100428060"/>
+        <p14:creationId xmlns:p14="http://schemas.microsoft.com/office/powerpoint/2010/main" val="732536970"/>
+      </p:ext>
+    </p:extLst>
+  </p:cSld>
+  <p:clrMapOvr>
+    <a:masterClrMapping/>
+  </p:clrMapOvr>
+</p:sld>
+</file>
+
+<file path=ppt/slides/slide16.xml><?xml version="1.0" encoding="utf-8"?>
+<p:sld xmlns:a="http://schemas.openxmlformats.org/drawingml/2006/main" xmlns:r="http://schemas.openxmlformats.org/officeDocument/2006/relationships" xmlns:p="http://schemas.openxmlformats.org/presentationml/2006/main">
+  <p:cSld>
+    <p:spTree>
+      <p:nvGrpSpPr>
+        <p:cNvPr id="1" name=""/>
+        <p:cNvGrpSpPr/>
+        <p:nvPr/>
+      </p:nvGrpSpPr>
+      <p:grpSpPr>
+        <a:xfrm>
+          <a:off x="0" y="0"/>
+          <a:ext cx="0" cy="0"/>
+          <a:chOff x="0" y="0"/>
+          <a:chExt cx="0" cy="0"/>
+        </a:xfrm>
+      </p:grpSpPr>
+      <p:sp>
+        <p:nvSpPr>
+          <p:cNvPr id="2" name="Título 1">
+            <a:extLst>
+              <a:ext uri="{FF2B5EF4-FFF2-40B4-BE49-F238E27FC236}">
+                <a16:creationId xmlns:a16="http://schemas.microsoft.com/office/drawing/2014/main" id="{FE6B9197-34FC-4AB9-9D21-F64E82425E05}"/>
+              </a:ext>
+            </a:extLst>
+          </p:cNvPr>
+          <p:cNvSpPr>
+            <a:spLocks noGrp="1"/>
+          </p:cNvSpPr>
+          <p:nvPr>
+            <p:ph type="title"/>
+          </p:nvPr>
+        </p:nvSpPr>
+        <p:spPr/>
+        <p:txBody>
+          <a:bodyPr/>
+          <a:lstStyle/>
+          <a:p>
+            <a:r>
+              <a:rPr lang="pt-BR" i="1" dirty="0"/>
+              <a:t>pessoa</a:t>
+            </a:r>
+          </a:p>
+        </p:txBody>
+      </p:sp>
+      <p:pic>
+        <p:nvPicPr>
+          <p:cNvPr id="5" name="Espaço Reservado para Conteúdo 4">
+            <a:extLst>
+              <a:ext uri="{FF2B5EF4-FFF2-40B4-BE49-F238E27FC236}">
+                <a16:creationId xmlns:a16="http://schemas.microsoft.com/office/drawing/2014/main" id="{64C46314-A752-4B36-84A7-4FED6DF847B5}"/>
+              </a:ext>
+            </a:extLst>
+          </p:cNvPr>
+          <p:cNvPicPr>
+            <a:picLocks noGrp="1" noChangeAspect="1"/>
+          </p:cNvPicPr>
+          <p:nvPr>
+            <p:ph idx="1"/>
+          </p:nvPr>
+        </p:nvPicPr>
+        <p:blipFill>
+          <a:blip r:embed="rId2"/>
+          <a:stretch>
+            <a:fillRect/>
+          </a:stretch>
+        </p:blipFill>
+        <p:spPr>
+          <a:xfrm>
+            <a:off x="4351392" y="1650204"/>
+            <a:ext cx="3489216" cy="783294"/>
+          </a:xfrm>
+        </p:spPr>
+      </p:pic>
+      <p:pic>
+        <p:nvPicPr>
+          <p:cNvPr id="7" name="Imagem 6">
+            <a:extLst>
+              <a:ext uri="{FF2B5EF4-FFF2-40B4-BE49-F238E27FC236}">
+                <a16:creationId xmlns:a16="http://schemas.microsoft.com/office/drawing/2014/main" id="{D0B948B3-74AB-45D1-9F3A-3A8301B71F46}"/>
+              </a:ext>
+            </a:extLst>
+          </p:cNvPr>
+          <p:cNvPicPr>
+            <a:picLocks noChangeAspect="1"/>
+          </p:cNvPicPr>
+          <p:nvPr/>
+        </p:nvPicPr>
+        <p:blipFill>
+          <a:blip r:embed="rId3"/>
+          <a:stretch>
+            <a:fillRect/>
+          </a:stretch>
+        </p:blipFill>
+        <p:spPr>
+          <a:xfrm>
+            <a:off x="4351392" y="2897499"/>
+            <a:ext cx="3489216" cy="565054"/>
+          </a:xfrm>
+          <a:prstGeom prst="rect">
+            <a:avLst/>
+          </a:prstGeom>
+        </p:spPr>
+      </p:pic>
+      <p:pic>
+        <p:nvPicPr>
+          <p:cNvPr id="9" name="Imagem 8">
+            <a:extLst>
+              <a:ext uri="{FF2B5EF4-FFF2-40B4-BE49-F238E27FC236}">
+                <a16:creationId xmlns:a16="http://schemas.microsoft.com/office/drawing/2014/main" id="{71D1E7CF-9150-48A9-80D0-9B3B0B4A0C3F}"/>
+              </a:ext>
+            </a:extLst>
+          </p:cNvPr>
+          <p:cNvPicPr>
+            <a:picLocks noChangeAspect="1"/>
+          </p:cNvPicPr>
+          <p:nvPr/>
+        </p:nvPicPr>
+        <p:blipFill>
+          <a:blip r:embed="rId4"/>
+          <a:stretch>
+            <a:fillRect/>
+          </a:stretch>
+        </p:blipFill>
+        <p:spPr>
+          <a:xfrm>
+            <a:off x="4351392" y="3960501"/>
+            <a:ext cx="3489217" cy="658002"/>
+          </a:xfrm>
+          <a:prstGeom prst="rect">
+            <a:avLst/>
+          </a:prstGeom>
+        </p:spPr>
+      </p:pic>
+      <p:pic>
+        <p:nvPicPr>
+          <p:cNvPr id="11" name="Imagem 10">
+            <a:extLst>
+              <a:ext uri="{FF2B5EF4-FFF2-40B4-BE49-F238E27FC236}">
+                <a16:creationId xmlns:a16="http://schemas.microsoft.com/office/drawing/2014/main" id="{52295DB0-CBB5-43F2-8E57-BC8430CEEFD1}"/>
+              </a:ext>
+            </a:extLst>
+          </p:cNvPr>
+          <p:cNvPicPr>
+            <a:picLocks noChangeAspect="1"/>
+          </p:cNvPicPr>
+          <p:nvPr/>
+        </p:nvPicPr>
+        <p:blipFill>
+          <a:blip r:embed="rId5"/>
+          <a:stretch>
+            <a:fillRect/>
+          </a:stretch>
+        </p:blipFill>
+        <p:spPr>
+          <a:xfrm>
+            <a:off x="4351392" y="5019675"/>
+            <a:ext cx="3489216" cy="875836"/>
+          </a:xfrm>
+          <a:prstGeom prst="rect">
+            <a:avLst/>
+          </a:prstGeom>
+        </p:spPr>
+      </p:pic>
+    </p:spTree>
+    <p:extLst>
+      <p:ext uri="{BB962C8B-B14F-4D97-AF65-F5344CB8AC3E}">
+        <p14:creationId xmlns:p14="http://schemas.microsoft.com/office/powerpoint/2010/main" val="4113607135"/>
       </p:ext>
     </p:extLst>
   </p:cSld>
